--- a/05_ml_bootcamp/machine_learning_bootcamp.pptx
+++ b/05_ml_bootcamp/machine_learning_bootcamp.pptx
@@ -5,10 +5,10 @@
     <p:sldMasterId id="2147483648" r:id="rId1"/>
   </p:sldMasterIdLst>
   <p:notesMasterIdLst>
-    <p:notesMasterId r:id="rId45"/>
+    <p:notesMasterId r:id="rId49"/>
   </p:notesMasterIdLst>
   <p:handoutMasterIdLst>
-    <p:handoutMasterId r:id="rId46"/>
+    <p:handoutMasterId r:id="rId50"/>
   </p:handoutMasterIdLst>
   <p:sldIdLst>
     <p:sldId id="2391" r:id="rId2"/>
@@ -35,25 +35,29 @@
     <p:sldId id="2427" r:id="rId23"/>
     <p:sldId id="2441" r:id="rId24"/>
     <p:sldId id="2428" r:id="rId25"/>
-    <p:sldId id="2430" r:id="rId26"/>
-    <p:sldId id="2439" r:id="rId27"/>
-    <p:sldId id="2433" r:id="rId28"/>
-    <p:sldId id="2431" r:id="rId29"/>
-    <p:sldId id="2434" r:id="rId30"/>
-    <p:sldId id="365" r:id="rId31"/>
-    <p:sldId id="364" r:id="rId32"/>
-    <p:sldId id="2440" r:id="rId33"/>
-    <p:sldId id="2436" r:id="rId34"/>
-    <p:sldId id="2432" r:id="rId35"/>
-    <p:sldId id="2443" r:id="rId36"/>
-    <p:sldId id="626" r:id="rId37"/>
-    <p:sldId id="2442" r:id="rId38"/>
-    <p:sldId id="2422" r:id="rId39"/>
-    <p:sldId id="2377" r:id="rId40"/>
-    <p:sldId id="2395" r:id="rId41"/>
-    <p:sldId id="2400" r:id="rId42"/>
-    <p:sldId id="2401" r:id="rId43"/>
-    <p:sldId id="2405" r:id="rId44"/>
+    <p:sldId id="2445" r:id="rId26"/>
+    <p:sldId id="2430" r:id="rId27"/>
+    <p:sldId id="2446" r:id="rId28"/>
+    <p:sldId id="2447" r:id="rId29"/>
+    <p:sldId id="2448" r:id="rId30"/>
+    <p:sldId id="2439" r:id="rId31"/>
+    <p:sldId id="2449" r:id="rId32"/>
+    <p:sldId id="2431" r:id="rId33"/>
+    <p:sldId id="2434" r:id="rId34"/>
+    <p:sldId id="365" r:id="rId35"/>
+    <p:sldId id="364" r:id="rId36"/>
+    <p:sldId id="2440" r:id="rId37"/>
+    <p:sldId id="2436" r:id="rId38"/>
+    <p:sldId id="2432" r:id="rId39"/>
+    <p:sldId id="2443" r:id="rId40"/>
+    <p:sldId id="626" r:id="rId41"/>
+    <p:sldId id="2442" r:id="rId42"/>
+    <p:sldId id="2422" r:id="rId43"/>
+    <p:sldId id="2377" r:id="rId44"/>
+    <p:sldId id="2395" r:id="rId45"/>
+    <p:sldId id="2400" r:id="rId46"/>
+    <p:sldId id="2401" r:id="rId47"/>
+    <p:sldId id="2405" r:id="rId48"/>
   </p:sldIdLst>
   <p:sldSz cx="12192000" cy="6858000"/>
   <p:notesSz cx="6858000" cy="9144000"/>
@@ -257,7 +261,7 @@
           <a:p>
             <a:fld id="{27160A0F-9B86-4581-85D6-AE4500F6A801}" type="datetimeFigureOut">
               <a:rPr lang="en-US" smtClean="0"/>
-              <a:t>9/19/2021</a:t>
+              <a:t>1/15/2022</a:t>
             </a:fld>
             <a:endParaRPr lang="en-US"/>
           </a:p>
@@ -483,7 +487,7 @@
           <a:p>
             <a:fld id="{27BE458A-CC06-48BE-991B-B3ACDD14B597}" type="datetimeFigureOut">
               <a:rPr lang="en-US" smtClean="0"/>
-              <a:t>9/19/2021</a:t>
+              <a:t>1/15/2022</a:t>
             </a:fld>
             <a:endParaRPr lang="en-US"/>
           </a:p>
@@ -1018,7 +1022,7 @@
           <a:p>
             <a:fld id="{72459E79-B3EA-453E-BDBA-60E25D7173B4}" type="slidenum">
               <a:rPr lang="en-US" smtClean="0"/>
-              <a:t>40</a:t>
+              <a:t>44</a:t>
             </a:fld>
             <a:endParaRPr lang="en-US"/>
           </a:p>
@@ -1110,7 +1114,7 @@
           <a:p>
             <a:fld id="{72459E79-B3EA-453E-BDBA-60E25D7173B4}" type="slidenum">
               <a:rPr lang="en-US" smtClean="0"/>
-              <a:t>41</a:t>
+              <a:t>45</a:t>
             </a:fld>
             <a:endParaRPr lang="en-US"/>
           </a:p>
@@ -1202,7 +1206,7 @@
           <a:p>
             <a:fld id="{72459E79-B3EA-453E-BDBA-60E25D7173B4}" type="slidenum">
               <a:rPr lang="en-US" smtClean="0"/>
-              <a:t>42</a:t>
+              <a:t>46</a:t>
             </a:fld>
             <a:endParaRPr lang="en-US"/>
           </a:p>
@@ -2093,7 +2097,7 @@
           <a:p>
             <a:fld id="{04C01D68-98F0-4413-A543-950947CC53F4}" type="datetime1">
               <a:rPr lang="en-US" smtClean="0"/>
-              <a:t>9/19/2021</a:t>
+              <a:t>1/15/2022</a:t>
             </a:fld>
             <a:endParaRPr lang="en-US"/>
           </a:p>
@@ -2250,7 +2254,7 @@
           <a:p>
             <a:fld id="{F5166586-FB24-4278-9591-82C4BBCDCA89}" type="datetime1">
               <a:rPr lang="en-US" smtClean="0"/>
-              <a:t>9/19/2021</a:t>
+              <a:t>1/15/2022</a:t>
             </a:fld>
             <a:endParaRPr lang="en-US"/>
           </a:p>
@@ -2444,7 +2448,7 @@
           <a:p>
             <a:fld id="{D5A5CA0D-3537-42D6-B0CE-3FBC0D012150}" type="datetime1">
               <a:rPr lang="en-US" smtClean="0"/>
-              <a:t>9/19/2021</a:t>
+              <a:t>1/15/2022</a:t>
             </a:fld>
             <a:endParaRPr lang="en-US"/>
           </a:p>
@@ -3499,7 +3503,7 @@
           <a:p>
             <a:fld id="{FDB3EDF1-F613-4DA2-A80A-754A6940B2FC}" type="datetime1">
               <a:rPr lang="en-US" smtClean="0"/>
-              <a:t>9/19/2021</a:t>
+              <a:t>1/15/2022</a:t>
             </a:fld>
             <a:endParaRPr lang="en-US"/>
           </a:p>
@@ -3744,7 +3748,7 @@
           <a:p>
             <a:fld id="{FD3B0033-72B4-4535-88FF-3AD028C99723}" type="datetime1">
               <a:rPr lang="en-US" smtClean="0"/>
-              <a:t>9/19/2021</a:t>
+              <a:t>1/15/2022</a:t>
             </a:fld>
             <a:endParaRPr lang="en-US"/>
           </a:p>
@@ -4124,7 +4128,7 @@
           <a:p>
             <a:fld id="{96B2EC89-E834-484E-B15B-8A782CBE7E42}" type="datetime1">
               <a:rPr lang="en-US" smtClean="0"/>
-              <a:t>9/19/2021</a:t>
+              <a:t>1/15/2022</a:t>
             </a:fld>
             <a:endParaRPr lang="en-US"/>
           </a:p>
@@ -4257,7 +4261,7 @@
           <a:p>
             <a:fld id="{B0BFDB64-FBD6-4851-B5A5-2376FDD55407}" type="datetime1">
               <a:rPr lang="en-US" smtClean="0"/>
-              <a:t>9/19/2021</a:t>
+              <a:t>1/15/2022</a:t>
             </a:fld>
             <a:endParaRPr lang="en-US"/>
           </a:p>
@@ -4368,7 +4372,7 @@
           <a:p>
             <a:fld id="{A796691A-4010-4E41-AAA5-8BA8423BEAFA}" type="datetime1">
               <a:rPr lang="en-US" smtClean="0"/>
-              <a:t>9/19/2021</a:t>
+              <a:t>1/15/2022</a:t>
             </a:fld>
             <a:endParaRPr lang="en-US"/>
           </a:p>
@@ -4659,7 +4663,7 @@
           <a:p>
             <a:fld id="{19A26292-8CED-46F0-BBB1-1BA0D2A33D09}" type="datetime1">
               <a:rPr lang="en-US" smtClean="0"/>
-              <a:t>9/19/2021</a:t>
+              <a:t>1/15/2022</a:t>
             </a:fld>
             <a:endParaRPr lang="en-US"/>
           </a:p>
@@ -4927,7 +4931,7 @@
           <a:p>
             <a:fld id="{961AD9AB-7BFD-44AF-B1FE-05602162B8C3}" type="datetime1">
               <a:rPr lang="en-US" smtClean="0"/>
-              <a:t>9/19/2021</a:t>
+              <a:t>1/15/2022</a:t>
             </a:fld>
             <a:endParaRPr lang="en-US"/>
           </a:p>
@@ -5154,7 +5158,7 @@
           <a:p>
             <a:fld id="{475570EF-A0EC-4C7C-9082-FFE56C4913AF}" type="datetime1">
               <a:rPr lang="en-US" smtClean="0"/>
-              <a:t>9/19/2021</a:t>
+              <a:t>1/15/2022</a:t>
             </a:fld>
             <a:endParaRPr lang="en-US"/>
           </a:p>
@@ -11333,7 +11337,7 @@
         </p:nvSpPr>
         <p:spPr>
           <a:xfrm>
-            <a:off x="2133600" y="4305300"/>
+            <a:off x="2133599" y="4305300"/>
             <a:ext cx="8434387" cy="947737"/>
           </a:xfrm>
           <a:prstGeom prst="rect">
@@ -11366,7 +11370,7 @@
                 <a:latin typeface="Aharoni" panose="020B0604020202020204" pitchFamily="2" charset="-79"/>
                 <a:cs typeface="Aharoni" panose="020B0604020202020204" pitchFamily="2" charset="-79"/>
               </a:rPr>
-              <a:t>Terms in Phases </a:t>
+              <a:t>Terms and Phases </a:t>
             </a:r>
           </a:p>
         </p:txBody>
@@ -14112,8 +14116,8 @@
         </p:nvSpPr>
         <p:spPr>
           <a:xfrm>
-            <a:off x="4046784" y="610931"/>
-            <a:ext cx="3436280" cy="430887"/>
+            <a:off x="3059825" y="610931"/>
+            <a:ext cx="5748634" cy="430887"/>
           </a:xfrm>
           <a:prstGeom prst="rect">
             <a:avLst/>
@@ -14146,7 +14150,7 @@
                   <a:schemeClr val="accent3"/>
                 </a:solidFill>
               </a:rPr>
-              <a:t>Phase 2: Idea Testing</a:t>
+              <a:t>Phase 2: Data Prep and Problem Exploration</a:t>
             </a:r>
           </a:p>
         </p:txBody>
@@ -14745,7 +14749,7 @@
         </p:spPr>
         <p:txBody>
           <a:bodyPr>
-            <a:normAutofit lnSpcReduction="10000"/>
+            <a:normAutofit fontScale="85000" lnSpcReduction="20000"/>
           </a:bodyPr>
           <a:lstStyle/>
           <a:p>
@@ -14758,20 +14762,41 @@
             <a:pPr lvl="1"/>
             <a:r>
               <a:rPr lang="en-US" dirty="0"/>
-              <a:t># Prediction versus Inference </a:t>
+              <a:t> Prediction versus Inference </a:t>
             </a:r>
           </a:p>
           <a:p>
             <a:pPr lvl="1"/>
             <a:r>
               <a:rPr lang="en-US" dirty="0"/>
-              <a:t># Independent Metric for Business Value </a:t>
-            </a:r>
-          </a:p>
-          <a:p>
+              <a:t> Independent Metric for Business Value</a:t>
+            </a:r>
+          </a:p>
+          <a:p>
+            <a:pPr lvl="1"/>
             <a:r>
               <a:rPr lang="en-US" dirty="0"/>
-              <a:t> Phase – 2 Idea Testing</a:t>
+              <a:t> Target Variable and features </a:t>
+            </a:r>
+          </a:p>
+          <a:p>
+            <a:pPr lvl="1"/>
+            <a:r>
+              <a:rPr lang="en-US" dirty="0"/>
+              <a:t> Classification versus Regression</a:t>
+            </a:r>
+          </a:p>
+          <a:p>
+            <a:pPr lvl="1"/>
+            <a:r>
+              <a:rPr lang="en-US" dirty="0"/>
+              <a:t> Probabilistic Interpretation   </a:t>
+            </a:r>
+          </a:p>
+          <a:p>
+            <a:r>
+              <a:rPr lang="en-US" dirty="0"/>
+              <a:t> Phase – 2 Data Prep and Problem Exploration</a:t>
             </a:r>
           </a:p>
           <a:p>
@@ -14785,7 +14810,21 @@
             <a:pPr lvl="1"/>
             <a:r>
               <a:rPr lang="en-US" dirty="0"/>
-              <a:t> Scaling and/or Normalizing Data/One-Hot Encoding  </a:t>
+              <a:t> Variable classes/types</a:t>
+            </a:r>
+          </a:p>
+          <a:p>
+            <a:pPr lvl="1"/>
+            <a:r>
+              <a:rPr lang="en-US" dirty="0"/>
+              <a:t> Scaling and/or Normalizing Data/One-Hot Encoding</a:t>
+            </a:r>
+          </a:p>
+          <a:p>
+            <a:pPr lvl="1"/>
+            <a:r>
+              <a:rPr lang="en-US" dirty="0"/>
+              <a:t> Missing Data </a:t>
             </a:r>
           </a:p>
           <a:p>
@@ -14799,14 +14838,7 @@
             <a:pPr lvl="1"/>
             <a:r>
               <a:rPr lang="en-US" dirty="0"/>
-              <a:t> Training, Tune, Evaluation</a:t>
-            </a:r>
-          </a:p>
-          <a:p>
-            <a:pPr lvl="1"/>
-            <a:r>
-              <a:rPr lang="en-US" dirty="0"/>
-              <a:t> Cross Validation</a:t>
+              <a:t> Data Partitioning/Sampling </a:t>
             </a:r>
           </a:p>
           <a:p>
@@ -14840,7 +14872,14 @@
             <a:pPr lvl="1"/>
             <a:r>
               <a:rPr lang="en-US" dirty="0"/>
-              <a:t> Bias versus Variance</a:t>
+              <a:t> Bias versus Variance Tradeoff </a:t>
+            </a:r>
+          </a:p>
+          <a:p>
+            <a:pPr lvl="1"/>
+            <a:r>
+              <a:rPr lang="en-US" dirty="0"/>
+              <a:t> Model Evaluation </a:t>
             </a:r>
           </a:p>
           <a:p>
@@ -15198,34 +15237,6 @@
       </p:grpSpPr>
       <p:sp>
         <p:nvSpPr>
-          <p:cNvPr id="2" name="Title 1">
-            <a:extLst>
-              <a:ext uri="{FF2B5EF4-FFF2-40B4-BE49-F238E27FC236}">
-                <a16:creationId xmlns:a16="http://schemas.microsoft.com/office/drawing/2014/main" id="{00C29119-EB12-4B2B-BF70-415E235B92E2}"/>
-              </a:ext>
-            </a:extLst>
-          </p:cNvPr>
-          <p:cNvSpPr>
-            <a:spLocks noGrp="1"/>
-          </p:cNvSpPr>
-          <p:nvPr>
-            <p:ph type="title"/>
-          </p:nvPr>
-        </p:nvSpPr>
-        <p:spPr/>
-        <p:txBody>
-          <a:bodyPr/>
-          <a:lstStyle/>
-          <a:p>
-            <a:r>
-              <a:rPr lang="en-US" dirty="0"/>
-              <a:t>Overview of Key ML Methods/Terms </a:t>
-            </a:r>
-          </a:p>
-        </p:txBody>
-      </p:sp>
-      <p:sp>
-        <p:nvSpPr>
           <p:cNvPr id="3" name="Content Placeholder 2">
             <a:extLst>
               <a:ext uri="{FF2B5EF4-FFF2-40B4-BE49-F238E27FC236}">
@@ -15242,7 +15253,7 @@
         </p:nvSpPr>
         <p:spPr>
           <a:xfrm>
-            <a:off x="80554" y="804930"/>
+            <a:off x="80554" y="160619"/>
             <a:ext cx="10515600" cy="5248208"/>
           </a:xfrm>
         </p:spPr>
@@ -15254,7 +15265,28 @@
           <a:p>
             <a:r>
               <a:rPr lang="en-US" dirty="0"/>
-              <a:t># Independent Metric for Business Value </a:t>
+              <a:t> # Prediction versus Inference</a:t>
+            </a:r>
+          </a:p>
+          <a:p>
+            <a:pPr lvl="1"/>
+            <a:r>
+              <a:rPr lang="en-US" dirty="0"/>
+              <a:t> Goals of prediction are not centered on how the features are interacting or resulting in an event but are instead focused on the ability of the model to predicted an event. </a:t>
+            </a:r>
+          </a:p>
+          <a:p>
+            <a:pPr lvl="1"/>
+            <a:r>
+              <a:rPr lang="en-US" dirty="0"/>
+              <a:t>  Almost all ML methods are focused on predication not causation or inference. </a:t>
+            </a:r>
+          </a:p>
+          <a:p>
+            <a:pPr lvl="1"/>
+            <a:r>
+              <a:rPr lang="en-US" dirty="0"/>
+              <a:t> This is why model performance is based largely on how well a model predicts not necessarily how much individual variables are contributing to error reduction. </a:t>
             </a:r>
           </a:p>
         </p:txBody>
@@ -15292,7 +15324,7 @@
     </p:spTree>
     <p:extLst>
       <p:ext uri="{BB962C8B-B14F-4D97-AF65-F5344CB8AC3E}">
-        <p14:creationId xmlns:p14="http://schemas.microsoft.com/office/powerpoint/2010/main" val="428639829"/>
+        <p14:creationId xmlns:p14="http://schemas.microsoft.com/office/powerpoint/2010/main" val="2537658807"/>
       </p:ext>
     </p:extLst>
   </p:cSld>
@@ -15321,10 +15353,127 @@
       </p:grpSpPr>
       <p:sp>
         <p:nvSpPr>
+          <p:cNvPr id="2" name="Title 1">
+            <a:extLst>
+              <a:ext uri="{FF2B5EF4-FFF2-40B4-BE49-F238E27FC236}">
+                <a16:creationId xmlns:a16="http://schemas.microsoft.com/office/drawing/2014/main" id="{00C29119-EB12-4B2B-BF70-415E235B92E2}"/>
+              </a:ext>
+            </a:extLst>
+          </p:cNvPr>
+          <p:cNvSpPr>
+            <a:spLocks noGrp="1"/>
+          </p:cNvSpPr>
+          <p:nvPr>
+            <p:ph type="title"/>
+          </p:nvPr>
+        </p:nvSpPr>
+        <p:spPr/>
+        <p:txBody>
+          <a:bodyPr/>
+          <a:lstStyle/>
+          <a:p>
+            <a:r>
+              <a:rPr lang="en-US" dirty="0"/>
+              <a:t>Overview of Key ML Methods/Terms </a:t>
+            </a:r>
+          </a:p>
+        </p:txBody>
+      </p:sp>
+      <p:sp>
+        <p:nvSpPr>
+          <p:cNvPr id="3" name="Content Placeholder 2">
+            <a:extLst>
+              <a:ext uri="{FF2B5EF4-FFF2-40B4-BE49-F238E27FC236}">
+                <a16:creationId xmlns:a16="http://schemas.microsoft.com/office/drawing/2014/main" id="{7D9C13FB-F3EB-4BC0-B130-143DCC8FEBB4}"/>
+              </a:ext>
+            </a:extLst>
+          </p:cNvPr>
+          <p:cNvSpPr>
+            <a:spLocks noGrp="1"/>
+          </p:cNvSpPr>
+          <p:nvPr>
+            <p:ph idx="1"/>
+          </p:nvPr>
+        </p:nvSpPr>
+        <p:spPr>
+          <a:xfrm>
+            <a:off x="80554" y="804930"/>
+            <a:ext cx="10515600" cy="5248208"/>
+          </a:xfrm>
+        </p:spPr>
+        <p:txBody>
+          <a:bodyPr>
+            <a:normAutofit/>
+          </a:bodyPr>
+          <a:lstStyle/>
+          <a:p>
+            <a:r>
+              <a:rPr lang="en-US" dirty="0"/>
+              <a:t> Independent Metric for Business Value </a:t>
+            </a:r>
+          </a:p>
+          <a:p>
+            <a:pPr lvl="1"/>
+            <a:r>
+              <a:rPr lang="en-US" dirty="0"/>
+              <a:t> A key part of building a solution using </a:t>
+            </a:r>
+            <a:r>
+              <a:rPr lang="en-US" b="1" dirty="0"/>
+              <a:t>Machine Learning Techniques </a:t>
+            </a:r>
+            <a:r>
+              <a:rPr lang="en-US" dirty="0"/>
+              <a:t>is having a metric that is independent of the model that can be used to determine if the model is providing value.  </a:t>
+            </a:r>
+          </a:p>
+          <a:p>
+            <a:pPr lvl="1"/>
+            <a:endParaRPr lang="en-US" dirty="0"/>
+          </a:p>
+          <a:p>
+            <a:pPr lvl="1"/>
+            <a:r>
+              <a:rPr lang="en-US" dirty="0"/>
+              <a:t> Examples</a:t>
+            </a:r>
+          </a:p>
+          <a:p>
+            <a:pPr lvl="2"/>
+            <a:r>
+              <a:rPr lang="en-US" dirty="0"/>
+              <a:t> Recommender Engine for Netflix: Number of user clicks</a:t>
+            </a:r>
+          </a:p>
+          <a:p>
+            <a:pPr lvl="2"/>
+            <a:r>
+              <a:rPr lang="en-US" dirty="0"/>
+              <a:t> Spam Block Predictor: Number of viruses in the network </a:t>
+            </a:r>
+          </a:p>
+          <a:p>
+            <a:pPr lvl="2"/>
+            <a:r>
+              <a:rPr lang="en-US" dirty="0"/>
+              <a:t> Market Clustering: Did sales increase</a:t>
+            </a:r>
+          </a:p>
+          <a:p>
+            <a:pPr lvl="2"/>
+            <a:r>
+              <a:rPr lang="en-US" dirty="0"/>
+              <a:t> Others? </a:t>
+            </a:r>
+          </a:p>
+        </p:txBody>
+      </p:sp>
+      <p:sp>
+        <p:nvSpPr>
           <p:cNvPr id="4" name="Slide Number Placeholder 3">
             <a:extLst>
               <a:ext uri="{FF2B5EF4-FFF2-40B4-BE49-F238E27FC236}">
-                <a16:creationId xmlns:a16="http://schemas.microsoft.com/office/drawing/2014/main" id="{C667221D-B766-40ED-A03A-19924A4D7306}"/>
+                <a16:creationId xmlns:a16="http://schemas.microsoft.com/office/drawing/2014/main" id="{D92C9808-45ED-4122-BCBD-B3884450838E}"/>
               </a:ext>
             </a:extLst>
           </p:cNvPr>
@@ -15349,65 +15498,10 @@
           </a:p>
         </p:txBody>
       </p:sp>
-      <p:sp>
-        <p:nvSpPr>
-          <p:cNvPr id="6" name="TextBox 5">
-            <a:extLst>
-              <a:ext uri="{FF2B5EF4-FFF2-40B4-BE49-F238E27FC236}">
-                <a16:creationId xmlns:a16="http://schemas.microsoft.com/office/drawing/2014/main" id="{DEBF97E3-23E0-4EDA-8855-C169847AD4CF}"/>
-              </a:ext>
-            </a:extLst>
-          </p:cNvPr>
-          <p:cNvSpPr txBox="1"/>
-          <p:nvPr/>
-        </p:nvSpPr>
-        <p:spPr>
-          <a:xfrm>
-            <a:off x="2507381" y="2331421"/>
-            <a:ext cx="5996539" cy="480131"/>
-          </a:xfrm>
-          <a:prstGeom prst="rect">
-            <a:avLst/>
-          </a:prstGeom>
-        </p:spPr>
-        <p:txBody>
-          <a:bodyPr vert="horz" lIns="91440" tIns="45720" rIns="91440" bIns="45720" rtlCol="0" anchor="ctr">
-            <a:noAutofit/>
-          </a:bodyPr>
-          <a:lstStyle>
-            <a:lvl1pPr>
-              <a:lnSpc>
-                <a:spcPct val="90000"/>
-              </a:lnSpc>
-              <a:spcBef>
-                <a:spcPct val="0"/>
-              </a:spcBef>
-              <a:buNone/>
-              <a:defRPr sz="2800" b="1">
-                <a:solidFill>
-                  <a:schemeClr val="accent1"/>
-                </a:solidFill>
-                <a:latin typeface="+mj-lt"/>
-                <a:ea typeface="+mj-ea"/>
-                <a:cs typeface="+mj-cs"/>
-              </a:defRPr>
-            </a:lvl1pPr>
-          </a:lstStyle>
-          <a:p>
-            <a:pPr algn="ctr"/>
-            <a:r>
-              <a:rPr lang="en-US" sz="4400" dirty="0">
-                <a:latin typeface="+mn-lt"/>
-              </a:rPr>
-              <a:t>Phase II</a:t>
-            </a:r>
-          </a:p>
-        </p:txBody>
-      </p:sp>
     </p:spTree>
     <p:extLst>
       <p:ext uri="{BB962C8B-B14F-4D97-AF65-F5344CB8AC3E}">
-        <p14:creationId xmlns:p14="http://schemas.microsoft.com/office/powerpoint/2010/main" val="1901289011"/>
+        <p14:creationId xmlns:p14="http://schemas.microsoft.com/office/powerpoint/2010/main" val="428639829"/>
       </p:ext>
     </p:extLst>
   </p:cSld>
@@ -15452,12 +15546,14 @@
         </p:nvSpPr>
         <p:spPr/>
         <p:txBody>
-          <a:bodyPr/>
+          <a:bodyPr>
+            <a:normAutofit/>
+          </a:bodyPr>
           <a:lstStyle/>
           <a:p>
             <a:r>
               <a:rPr lang="en-US" dirty="0"/>
-              <a:t>Overview of Key ML Methods/Terms </a:t>
+              <a:t>Overview of Key ML Methods/Terms: Target Variable versus Features </a:t>
             </a:r>
           </a:p>
         </p:txBody>
@@ -15490,36 +15586,64 @@
           </a:bodyPr>
           <a:lstStyle/>
           <a:p>
-            <a:r>
-              <a:rPr lang="en-US" dirty="0"/>
-              <a:t># Scaling/Normalizing Data/One-Hot Encoding</a:t>
-            </a:r>
-          </a:p>
-          <a:p>
+            <a:pPr marL="0" indent="0">
+              <a:buNone/>
+            </a:pPr>
+            <a:endParaRPr lang="en-US" dirty="0"/>
+          </a:p>
+          <a:p>
+            <a:pPr lvl="1"/>
             <a:r>
               <a:rPr lang="en-US" dirty="0"/>
               <a:t> </a:t>
             </a:r>
             <a:r>
-              <a:rPr lang="en-US" dirty="0" err="1"/>
-              <a:t>Scaling.Centering</a:t>
+              <a:rPr lang="en-US" b="1" dirty="0"/>
+              <a:t>Target variable </a:t>
             </a:r>
             <a:r>
               <a:rPr lang="en-US" dirty="0"/>
-              <a:t> – z-scores </a:t>
-            </a:r>
-          </a:p>
-          <a:p>
+              <a:t>– Is the variable that includes the patterns the machine learning algorithm is trying to learn.  It is the variable of interest and key to evaluating the model output.  </a:t>
+            </a:r>
+          </a:p>
+          <a:p>
+            <a:pPr lvl="2"/>
             <a:r>
               <a:rPr lang="en-US" dirty="0"/>
-              <a:t> Normalizing – z-scores or min/max</a:t>
-            </a:r>
-          </a:p>
-          <a:p>
+              <a:t> More simply it is the variable we are trying to predict.  </a:t>
+            </a:r>
+          </a:p>
+          <a:p>
+            <a:pPr marL="914400" lvl="2" indent="0">
+              <a:buNone/>
+            </a:pPr>
+            <a:endParaRPr lang="en-US" dirty="0"/>
+          </a:p>
+          <a:p>
+            <a:pPr lvl="1"/>
             <a:r>
               <a:rPr lang="en-US" dirty="0"/>
-              <a:t> One-Hot Encoding -  turn each level of a factor into a binary column</a:t>
-            </a:r>
+              <a:t> </a:t>
+            </a:r>
+            <a:r>
+              <a:rPr lang="en-US" b="1" dirty="0"/>
+              <a:t>Feature variables </a:t>
+            </a:r>
+            <a:r>
+              <a:rPr lang="en-US" dirty="0"/>
+              <a:t>– Are the variables the model will use to learn the patterns of the target variable. The process of feature engineering can result in additional features. </a:t>
+            </a:r>
+          </a:p>
+          <a:p>
+            <a:pPr lvl="2"/>
+            <a:r>
+              <a:rPr lang="en-US" dirty="0"/>
+              <a:t> More simply these are the variables used for predicting the target</a:t>
+            </a:r>
+          </a:p>
+          <a:p>
+            <a:pPr lvl="1"/>
+            <a:endParaRPr lang="en-US" dirty="0"/>
           </a:p>
         </p:txBody>
       </p:sp>
@@ -15556,7 +15680,7 @@
     </p:spTree>
     <p:extLst>
       <p:ext uri="{BB962C8B-B14F-4D97-AF65-F5344CB8AC3E}">
-        <p14:creationId xmlns:p14="http://schemas.microsoft.com/office/powerpoint/2010/main" val="503798830"/>
+        <p14:creationId xmlns:p14="http://schemas.microsoft.com/office/powerpoint/2010/main" val="1837246038"/>
       </p:ext>
     </p:extLst>
   </p:cSld>
@@ -15601,12 +15725,14 @@
         </p:nvSpPr>
         <p:spPr/>
         <p:txBody>
-          <a:bodyPr/>
+          <a:bodyPr>
+            <a:normAutofit/>
+          </a:bodyPr>
           <a:lstStyle/>
           <a:p>
             <a:r>
               <a:rPr lang="en-US" dirty="0"/>
-              <a:t>Overview of Key ML Methods/Terms </a:t>
+              <a:t>Overview of Key ML Methods/Terms: Classification versus Regression </a:t>
             </a:r>
           </a:p>
         </p:txBody>
@@ -15629,8 +15755,8 @@
         </p:nvSpPr>
         <p:spPr>
           <a:xfrm>
-            <a:off x="80554" y="804930"/>
-            <a:ext cx="10515600" cy="5248208"/>
+            <a:off x="80554" y="599447"/>
+            <a:ext cx="10515600" cy="6122028"/>
           </a:xfrm>
         </p:spPr>
         <p:txBody>
@@ -15640,14 +15766,105 @@
           <a:lstStyle/>
           <a:p>
             <a:r>
+              <a:rPr lang="en-US" sz="2400" dirty="0"/>
+              <a:t> </a:t>
+            </a:r>
+            <a:r>
+              <a:rPr lang="en-US" sz="2400" b="1" dirty="0"/>
+              <a:t>Classification</a:t>
+            </a:r>
+            <a:r>
+              <a:rPr lang="en-US" sz="2400" dirty="0"/>
+              <a:t> is the process of developing a model to predict whether a target variable is in defined categories.  This is driven by having either a binary or multi-level categorical variable as the target variable. </a:t>
+            </a:r>
+          </a:p>
+          <a:p>
+            <a:pPr lvl="2"/>
+            <a:r>
               <a:rPr lang="en-US" dirty="0"/>
-              <a:t># Baseline – prevalence </a:t>
-            </a:r>
-          </a:p>
-          <a:p>
-            <a:pPr marL="0" indent="0">
-              <a:buNone/>
-            </a:pPr>
+              <a:t> Examples: </a:t>
+            </a:r>
+          </a:p>
+          <a:p>
+            <a:pPr lvl="3"/>
+            <a:r>
+              <a:rPr lang="en-US" dirty="0"/>
+              <a:t> Predicting whether someone is male, or female based on 1,000s of pictures.</a:t>
+            </a:r>
+          </a:p>
+          <a:p>
+            <a:pPr lvl="3"/>
+            <a:r>
+              <a:rPr lang="en-US" dirty="0"/>
+              <a:t> Predicting whether a team will have a winning season or not based on player performance </a:t>
+            </a:r>
+          </a:p>
+          <a:p>
+            <a:pPr lvl="3"/>
+            <a:r>
+              <a:rPr lang="en-US" dirty="0"/>
+              <a:t> Predicting whether a person will default on a loan or not</a:t>
+            </a:r>
+          </a:p>
+          <a:p>
+            <a:pPr lvl="2"/>
+            <a:r>
+              <a:rPr lang="en-US" dirty="0"/>
+              <a:t> Key point: The predications of the model are not binary (1s or 0s) but are given as </a:t>
+            </a:r>
+            <a:r>
+              <a:rPr lang="en-US" b="1" dirty="0"/>
+              <a:t>percentages</a:t>
+            </a:r>
+            <a:r>
+              <a:rPr lang="en-US" dirty="0"/>
+              <a:t> indicating the likelihood that any one row of data belongs to any one category.  In the case of target variables with multiple categories each row will get the same number of percent predictions as categories. </a:t>
+            </a:r>
+          </a:p>
+          <a:p>
+            <a:r>
+              <a:rPr lang="en-US" sz="2400" dirty="0"/>
+              <a:t> </a:t>
+            </a:r>
+            <a:r>
+              <a:rPr lang="en-US" sz="2400" b="1" dirty="0"/>
+              <a:t>Regression</a:t>
+            </a:r>
+            <a:r>
+              <a:rPr lang="en-US" sz="2400" dirty="0"/>
+              <a:t> is the process of developing a model to predict a specific number or range of numbers. This is driven by having a continuous variable as the target variable for the model</a:t>
+            </a:r>
+          </a:p>
+          <a:p>
+            <a:pPr lvl="2"/>
+            <a:r>
+              <a:rPr lang="en-US" dirty="0"/>
+              <a:t> Examples: </a:t>
+            </a:r>
+          </a:p>
+          <a:p>
+            <a:pPr lvl="3"/>
+            <a:r>
+              <a:rPr lang="en-US" dirty="0"/>
+              <a:t> Predicting the score given the players playing a game. </a:t>
+            </a:r>
+          </a:p>
+          <a:p>
+            <a:pPr lvl="3"/>
+            <a:r>
+              <a:rPr lang="en-US" dirty="0"/>
+              <a:t> Predicting an amount of rain given weather conditions </a:t>
+            </a:r>
+          </a:p>
+          <a:p>
+            <a:pPr lvl="3"/>
+            <a:r>
+              <a:rPr lang="en-US" dirty="0"/>
+              <a:t> Predicting a persons weight based on various personal statistics</a:t>
+            </a:r>
+          </a:p>
+          <a:p>
+            <a:pPr lvl="3"/>
             <a:endParaRPr lang="en-US" dirty="0"/>
           </a:p>
         </p:txBody>
@@ -15685,7 +15902,7 @@
     </p:spTree>
     <p:extLst>
       <p:ext uri="{BB962C8B-B14F-4D97-AF65-F5344CB8AC3E}">
-        <p14:creationId xmlns:p14="http://schemas.microsoft.com/office/powerpoint/2010/main" val="1229894589"/>
+        <p14:creationId xmlns:p14="http://schemas.microsoft.com/office/powerpoint/2010/main" val="3279045861"/>
       </p:ext>
     </p:extLst>
   </p:cSld>
@@ -15735,7 +15952,7 @@
           <a:p>
             <a:r>
               <a:rPr lang="en-US" dirty="0"/>
-              <a:t>Overview of Key ML Methods/Terms </a:t>
+              <a:t>Overview of Key ML Methods/Terms: Probabilistic Interpretation </a:t>
             </a:r>
           </a:p>
         </p:txBody>
@@ -15759,7 +15976,7 @@
         <p:spPr>
           <a:xfrm>
             <a:off x="80554" y="804930"/>
-            <a:ext cx="10515600" cy="5248208"/>
+            <a:ext cx="10515600" cy="5806490"/>
           </a:xfrm>
         </p:spPr>
         <p:txBody>
@@ -15770,13 +15987,40 @@
           <a:p>
             <a:r>
               <a:rPr lang="en-US" dirty="0"/>
-              <a:t># Initial Model Building (Machine Leaning Pipeline)</a:t>
+              <a:t> A significant portion of this class will focus on building models for classification. Classification is a much more common machine learning goal versus regression. </a:t>
             </a:r>
           </a:p>
           <a:p>
             <a:r>
               <a:rPr lang="en-US" dirty="0"/>
-              <a:t> Training, Evaluation, Tune, Evaluation, Test, Evaluation </a:t>
+              <a:t> We all know the range of values for probabilities, 0 to 100, the key to understanding these outputs is to think of them as </a:t>
+            </a:r>
+            <a:r>
+              <a:rPr lang="en-US" b="1" dirty="0"/>
+              <a:t>risk measures</a:t>
+            </a:r>
+            <a:r>
+              <a:rPr lang="en-US" dirty="0"/>
+              <a:t>, with 100 being no risk and 0 being all the risk! </a:t>
+            </a:r>
+          </a:p>
+          <a:p>
+            <a:r>
+              <a:rPr lang="en-US" dirty="0"/>
+              <a:t> How the outputs are used will depend on your question. </a:t>
+            </a:r>
+          </a:p>
+          <a:p>
+            <a:pPr lvl="1"/>
+            <a:r>
+              <a:rPr lang="en-US" dirty="0"/>
+              <a:t> Example: How certain do you want to be that a drug is effective as compared to whether a customer will open a marketing email? The results could both yield 75% probabilities but is that high enough? </a:t>
+            </a:r>
+          </a:p>
+          <a:p>
+            <a:r>
+              <a:rPr lang="en-US" dirty="0"/>
+              <a:t> Could also think of the outputs as a quantification of uncertainty, the question becomes given your problem how much uncertainty is acceptable? </a:t>
             </a:r>
           </a:p>
         </p:txBody>
@@ -15814,7 +16058,7 @@
     </p:spTree>
     <p:extLst>
       <p:ext uri="{BB962C8B-B14F-4D97-AF65-F5344CB8AC3E}">
-        <p14:creationId xmlns:p14="http://schemas.microsoft.com/office/powerpoint/2010/main" val="3926037402"/>
+        <p14:creationId xmlns:p14="http://schemas.microsoft.com/office/powerpoint/2010/main" val="3520486681"/>
       </p:ext>
     </p:extLst>
   </p:cSld>
@@ -16110,6 +16354,643 @@
       </p:grpSpPr>
       <p:sp>
         <p:nvSpPr>
+          <p:cNvPr id="4" name="Slide Number Placeholder 3">
+            <a:extLst>
+              <a:ext uri="{FF2B5EF4-FFF2-40B4-BE49-F238E27FC236}">
+                <a16:creationId xmlns:a16="http://schemas.microsoft.com/office/drawing/2014/main" id="{C667221D-B766-40ED-A03A-19924A4D7306}"/>
+              </a:ext>
+            </a:extLst>
+          </p:cNvPr>
+          <p:cNvSpPr>
+            <a:spLocks noGrp="1"/>
+          </p:cNvSpPr>
+          <p:nvPr>
+            <p:ph type="sldNum" sz="quarter" idx="12"/>
+          </p:nvPr>
+        </p:nvSpPr>
+        <p:spPr/>
+        <p:txBody>
+          <a:bodyPr/>
+          <a:lstStyle/>
+          <a:p>
+            <a:fld id="{5ACD0CF0-90CC-9C41-A77B-2776398A8C8B}" type="slidenum">
+              <a:rPr lang="en-US" smtClean="0"/>
+              <a:pPr/>
+              <a:t>30</a:t>
+            </a:fld>
+            <a:endParaRPr lang="en-US"/>
+          </a:p>
+        </p:txBody>
+      </p:sp>
+      <p:sp>
+        <p:nvSpPr>
+          <p:cNvPr id="6" name="TextBox 5">
+            <a:extLst>
+              <a:ext uri="{FF2B5EF4-FFF2-40B4-BE49-F238E27FC236}">
+                <a16:creationId xmlns:a16="http://schemas.microsoft.com/office/drawing/2014/main" id="{DEBF97E3-23E0-4EDA-8855-C169847AD4CF}"/>
+              </a:ext>
+            </a:extLst>
+          </p:cNvPr>
+          <p:cNvSpPr txBox="1"/>
+          <p:nvPr/>
+        </p:nvSpPr>
+        <p:spPr>
+          <a:xfrm>
+            <a:off x="2507381" y="2331421"/>
+            <a:ext cx="5996539" cy="480131"/>
+          </a:xfrm>
+          <a:prstGeom prst="rect">
+            <a:avLst/>
+          </a:prstGeom>
+        </p:spPr>
+        <p:txBody>
+          <a:bodyPr vert="horz" lIns="91440" tIns="45720" rIns="91440" bIns="45720" rtlCol="0" anchor="ctr">
+            <a:noAutofit/>
+          </a:bodyPr>
+          <a:lstStyle>
+            <a:lvl1pPr>
+              <a:lnSpc>
+                <a:spcPct val="90000"/>
+              </a:lnSpc>
+              <a:spcBef>
+                <a:spcPct val="0"/>
+              </a:spcBef>
+              <a:buNone/>
+              <a:defRPr sz="2800" b="1">
+                <a:solidFill>
+                  <a:schemeClr val="accent1"/>
+                </a:solidFill>
+                <a:latin typeface="+mj-lt"/>
+                <a:ea typeface="+mj-ea"/>
+                <a:cs typeface="+mj-cs"/>
+              </a:defRPr>
+            </a:lvl1pPr>
+          </a:lstStyle>
+          <a:p>
+            <a:pPr algn="ctr"/>
+            <a:r>
+              <a:rPr lang="en-US" sz="4400" dirty="0">
+                <a:latin typeface="+mn-lt"/>
+              </a:rPr>
+              <a:t>Phase II</a:t>
+            </a:r>
+          </a:p>
+        </p:txBody>
+      </p:sp>
+    </p:spTree>
+    <p:extLst>
+      <p:ext uri="{BB962C8B-B14F-4D97-AF65-F5344CB8AC3E}">
+        <p14:creationId xmlns:p14="http://schemas.microsoft.com/office/powerpoint/2010/main" val="1901289011"/>
+      </p:ext>
+    </p:extLst>
+  </p:cSld>
+  <p:clrMapOvr>
+    <a:masterClrMapping/>
+  </p:clrMapOvr>
+</p:sld>
+</file>
+
+<file path=ppt/slides/slide31.xml><?xml version="1.0" encoding="utf-8"?>
+<p:sld xmlns:a="http://schemas.openxmlformats.org/drawingml/2006/main" xmlns:r="http://schemas.openxmlformats.org/officeDocument/2006/relationships" xmlns:p="http://schemas.openxmlformats.org/presentationml/2006/main">
+  <p:cSld>
+    <p:spTree>
+      <p:nvGrpSpPr>
+        <p:cNvPr id="1" name=""/>
+        <p:cNvGrpSpPr/>
+        <p:nvPr/>
+      </p:nvGrpSpPr>
+      <p:grpSpPr>
+        <a:xfrm>
+          <a:off x="0" y="0"/>
+          <a:ext cx="0" cy="0"/>
+          <a:chOff x="0" y="0"/>
+          <a:chExt cx="0" cy="0"/>
+        </a:xfrm>
+      </p:grpSpPr>
+      <p:sp>
+        <p:nvSpPr>
+          <p:cNvPr id="2" name="Title 1">
+            <a:extLst>
+              <a:ext uri="{FF2B5EF4-FFF2-40B4-BE49-F238E27FC236}">
+                <a16:creationId xmlns:a16="http://schemas.microsoft.com/office/drawing/2014/main" id="{00C29119-EB12-4B2B-BF70-415E235B92E2}"/>
+              </a:ext>
+            </a:extLst>
+          </p:cNvPr>
+          <p:cNvSpPr>
+            <a:spLocks noGrp="1"/>
+          </p:cNvSpPr>
+          <p:nvPr>
+            <p:ph type="title"/>
+          </p:nvPr>
+        </p:nvSpPr>
+        <p:spPr/>
+        <p:txBody>
+          <a:bodyPr/>
+          <a:lstStyle/>
+          <a:p>
+            <a:r>
+              <a:rPr lang="en-US" dirty="0"/>
+              <a:t>Overview of </a:t>
+            </a:r>
+            <a:r>
+              <a:rPr lang="en-US" u="sng" dirty="0"/>
+              <a:t>SOME</a:t>
+            </a:r>
+            <a:r>
+              <a:rPr lang="en-US" dirty="0"/>
+              <a:t> Key ML Methods/Terms </a:t>
+            </a:r>
+          </a:p>
+        </p:txBody>
+      </p:sp>
+      <p:sp>
+        <p:nvSpPr>
+          <p:cNvPr id="3" name="Content Placeholder 2">
+            <a:extLst>
+              <a:ext uri="{FF2B5EF4-FFF2-40B4-BE49-F238E27FC236}">
+                <a16:creationId xmlns:a16="http://schemas.microsoft.com/office/drawing/2014/main" id="{7D9C13FB-F3EB-4BC0-B130-143DCC8FEBB4}"/>
+              </a:ext>
+            </a:extLst>
+          </p:cNvPr>
+          <p:cNvSpPr>
+            <a:spLocks noGrp="1"/>
+          </p:cNvSpPr>
+          <p:nvPr>
+            <p:ph idx="1"/>
+          </p:nvPr>
+        </p:nvSpPr>
+        <p:spPr>
+          <a:xfrm>
+            <a:off x="80554" y="804930"/>
+            <a:ext cx="10515600" cy="5629558"/>
+          </a:xfrm>
+        </p:spPr>
+        <p:txBody>
+          <a:bodyPr>
+            <a:normAutofit fontScale="85000" lnSpcReduction="20000"/>
+          </a:bodyPr>
+          <a:lstStyle/>
+          <a:p>
+            <a:r>
+              <a:rPr lang="en-US" dirty="0"/>
+              <a:t> Phase – 1 Idea Development </a:t>
+            </a:r>
+          </a:p>
+          <a:p>
+            <a:pPr lvl="1"/>
+            <a:r>
+              <a:rPr lang="en-US" dirty="0"/>
+              <a:t> Prediction versus Inference </a:t>
+            </a:r>
+          </a:p>
+          <a:p>
+            <a:pPr lvl="1"/>
+            <a:r>
+              <a:rPr lang="en-US" dirty="0"/>
+              <a:t> Independent Metric for Business Value</a:t>
+            </a:r>
+          </a:p>
+          <a:p>
+            <a:pPr lvl="1"/>
+            <a:r>
+              <a:rPr lang="en-US" dirty="0"/>
+              <a:t> Target Variable and features </a:t>
+            </a:r>
+          </a:p>
+          <a:p>
+            <a:pPr lvl="1"/>
+            <a:r>
+              <a:rPr lang="en-US" dirty="0"/>
+              <a:t> Classification versus Regression</a:t>
+            </a:r>
+          </a:p>
+          <a:p>
+            <a:pPr lvl="1"/>
+            <a:r>
+              <a:rPr lang="en-US" dirty="0"/>
+              <a:t> Probabilistic Interpretation   </a:t>
+            </a:r>
+          </a:p>
+          <a:p>
+            <a:r>
+              <a:rPr lang="en-US" b="1" dirty="0"/>
+              <a:t> Phase – 2 Data Prep and Problem Exploration</a:t>
+            </a:r>
+          </a:p>
+          <a:p>
+            <a:pPr lvl="1"/>
+            <a:r>
+              <a:rPr lang="en-US" b="1" dirty="0"/>
+              <a:t> EDA </a:t>
+            </a:r>
+          </a:p>
+          <a:p>
+            <a:pPr lvl="1"/>
+            <a:r>
+              <a:rPr lang="en-US" b="1" dirty="0"/>
+              <a:t> Variable classes/types</a:t>
+            </a:r>
+          </a:p>
+          <a:p>
+            <a:pPr lvl="1"/>
+            <a:r>
+              <a:rPr lang="en-US" b="1" dirty="0"/>
+              <a:t> Scaling and/or Normalizing Data/One-Hot Encoding</a:t>
+            </a:r>
+          </a:p>
+          <a:p>
+            <a:pPr lvl="1"/>
+            <a:r>
+              <a:rPr lang="en-US" b="1" dirty="0"/>
+              <a:t> Missing Data </a:t>
+            </a:r>
+          </a:p>
+          <a:p>
+            <a:pPr lvl="1"/>
+            <a:r>
+              <a:rPr lang="en-US" b="1" dirty="0"/>
+              <a:t> Baseline – prevalence</a:t>
+            </a:r>
+          </a:p>
+          <a:p>
+            <a:pPr lvl="1"/>
+            <a:r>
+              <a:rPr lang="en-US" b="1" dirty="0"/>
+              <a:t> Data Partitioning/Sampling </a:t>
+            </a:r>
+          </a:p>
+          <a:p>
+            <a:r>
+              <a:rPr lang="en-US" dirty="0"/>
+              <a:t> Phase – 3 – Solution Model Development</a:t>
+            </a:r>
+          </a:p>
+          <a:p>
+            <a:pPr lvl="1"/>
+            <a:r>
+              <a:rPr lang="en-US" dirty="0"/>
+              <a:t> Parameters versus Hyperparameters</a:t>
+            </a:r>
+          </a:p>
+          <a:p>
+            <a:pPr lvl="1"/>
+            <a:r>
+              <a:rPr lang="en-US" dirty="0"/>
+              <a:t> Thresholding </a:t>
+            </a:r>
+          </a:p>
+          <a:p>
+            <a:pPr lvl="1"/>
+            <a:r>
+              <a:rPr lang="en-US" dirty="0"/>
+              <a:t> Feature Engineering</a:t>
+            </a:r>
+          </a:p>
+          <a:p>
+            <a:pPr lvl="1"/>
+            <a:r>
+              <a:rPr lang="en-US" dirty="0"/>
+              <a:t> Bias versus Variance Tradeoff </a:t>
+            </a:r>
+          </a:p>
+          <a:p>
+            <a:pPr lvl="1"/>
+            <a:r>
+              <a:rPr lang="en-US" dirty="0"/>
+              <a:t> Model Evaluation </a:t>
+            </a:r>
+          </a:p>
+          <a:p>
+            <a:endParaRPr lang="en-US" dirty="0"/>
+          </a:p>
+        </p:txBody>
+      </p:sp>
+      <p:sp>
+        <p:nvSpPr>
+          <p:cNvPr id="4" name="Slide Number Placeholder 3">
+            <a:extLst>
+              <a:ext uri="{FF2B5EF4-FFF2-40B4-BE49-F238E27FC236}">
+                <a16:creationId xmlns:a16="http://schemas.microsoft.com/office/drawing/2014/main" id="{D92C9808-45ED-4122-BCBD-B3884450838E}"/>
+              </a:ext>
+            </a:extLst>
+          </p:cNvPr>
+          <p:cNvSpPr>
+            <a:spLocks noGrp="1"/>
+          </p:cNvSpPr>
+          <p:nvPr>
+            <p:ph type="sldNum" sz="quarter" idx="12"/>
+          </p:nvPr>
+        </p:nvSpPr>
+        <p:spPr/>
+        <p:txBody>
+          <a:bodyPr/>
+          <a:lstStyle/>
+          <a:p>
+            <a:fld id="{5ACD0CF0-90CC-9C41-A77B-2776398A8C8B}" type="slidenum">
+              <a:rPr lang="en-US" smtClean="0"/>
+              <a:pPr/>
+              <a:t>31</a:t>
+            </a:fld>
+            <a:endParaRPr lang="en-US"/>
+          </a:p>
+        </p:txBody>
+      </p:sp>
+    </p:spTree>
+    <p:extLst>
+      <p:ext uri="{BB962C8B-B14F-4D97-AF65-F5344CB8AC3E}">
+        <p14:creationId xmlns:p14="http://schemas.microsoft.com/office/powerpoint/2010/main" val="1767199997"/>
+      </p:ext>
+    </p:extLst>
+  </p:cSld>
+  <p:clrMapOvr>
+    <a:masterClrMapping/>
+  </p:clrMapOvr>
+</p:sld>
+</file>
+
+<file path=ppt/slides/slide32.xml><?xml version="1.0" encoding="utf-8"?>
+<p:sld xmlns:a="http://schemas.openxmlformats.org/drawingml/2006/main" xmlns:r="http://schemas.openxmlformats.org/officeDocument/2006/relationships" xmlns:p="http://schemas.openxmlformats.org/presentationml/2006/main">
+  <p:cSld>
+    <p:spTree>
+      <p:nvGrpSpPr>
+        <p:cNvPr id="1" name=""/>
+        <p:cNvGrpSpPr/>
+        <p:nvPr/>
+      </p:nvGrpSpPr>
+      <p:grpSpPr>
+        <a:xfrm>
+          <a:off x="0" y="0"/>
+          <a:ext cx="0" cy="0"/>
+          <a:chOff x="0" y="0"/>
+          <a:chExt cx="0" cy="0"/>
+        </a:xfrm>
+      </p:grpSpPr>
+      <p:sp>
+        <p:nvSpPr>
+          <p:cNvPr id="2" name="Title 1">
+            <a:extLst>
+              <a:ext uri="{FF2B5EF4-FFF2-40B4-BE49-F238E27FC236}">
+                <a16:creationId xmlns:a16="http://schemas.microsoft.com/office/drawing/2014/main" id="{00C29119-EB12-4B2B-BF70-415E235B92E2}"/>
+              </a:ext>
+            </a:extLst>
+          </p:cNvPr>
+          <p:cNvSpPr>
+            <a:spLocks noGrp="1"/>
+          </p:cNvSpPr>
+          <p:nvPr>
+            <p:ph type="title"/>
+          </p:nvPr>
+        </p:nvSpPr>
+        <p:spPr/>
+        <p:txBody>
+          <a:bodyPr/>
+          <a:lstStyle/>
+          <a:p>
+            <a:r>
+              <a:rPr lang="en-US" dirty="0"/>
+              <a:t>Overview of Key ML Methods/Terms </a:t>
+            </a:r>
+          </a:p>
+        </p:txBody>
+      </p:sp>
+      <p:sp>
+        <p:nvSpPr>
+          <p:cNvPr id="3" name="Content Placeholder 2">
+            <a:extLst>
+              <a:ext uri="{FF2B5EF4-FFF2-40B4-BE49-F238E27FC236}">
+                <a16:creationId xmlns:a16="http://schemas.microsoft.com/office/drawing/2014/main" id="{7D9C13FB-F3EB-4BC0-B130-143DCC8FEBB4}"/>
+              </a:ext>
+            </a:extLst>
+          </p:cNvPr>
+          <p:cNvSpPr>
+            <a:spLocks noGrp="1"/>
+          </p:cNvSpPr>
+          <p:nvPr>
+            <p:ph idx="1"/>
+          </p:nvPr>
+        </p:nvSpPr>
+        <p:spPr>
+          <a:xfrm>
+            <a:off x="80554" y="804930"/>
+            <a:ext cx="10515600" cy="5248208"/>
+          </a:xfrm>
+        </p:spPr>
+        <p:txBody>
+          <a:bodyPr>
+            <a:normAutofit/>
+          </a:bodyPr>
+          <a:lstStyle/>
+          <a:p>
+            <a:r>
+              <a:rPr lang="en-US" dirty="0"/>
+              <a:t># Baseline – prevalence </a:t>
+            </a:r>
+          </a:p>
+          <a:p>
+            <a:pPr marL="0" indent="0">
+              <a:buNone/>
+            </a:pPr>
+            <a:endParaRPr lang="en-US" dirty="0"/>
+          </a:p>
+        </p:txBody>
+      </p:sp>
+      <p:sp>
+        <p:nvSpPr>
+          <p:cNvPr id="4" name="Slide Number Placeholder 3">
+            <a:extLst>
+              <a:ext uri="{FF2B5EF4-FFF2-40B4-BE49-F238E27FC236}">
+                <a16:creationId xmlns:a16="http://schemas.microsoft.com/office/drawing/2014/main" id="{D92C9808-45ED-4122-BCBD-B3884450838E}"/>
+              </a:ext>
+            </a:extLst>
+          </p:cNvPr>
+          <p:cNvSpPr>
+            <a:spLocks noGrp="1"/>
+          </p:cNvSpPr>
+          <p:nvPr>
+            <p:ph type="sldNum" sz="quarter" idx="12"/>
+          </p:nvPr>
+        </p:nvSpPr>
+        <p:spPr/>
+        <p:txBody>
+          <a:bodyPr/>
+          <a:lstStyle/>
+          <a:p>
+            <a:fld id="{5ACD0CF0-90CC-9C41-A77B-2776398A8C8B}" type="slidenum">
+              <a:rPr lang="en-US" smtClean="0"/>
+              <a:pPr/>
+              <a:t>32</a:t>
+            </a:fld>
+            <a:endParaRPr lang="en-US"/>
+          </a:p>
+        </p:txBody>
+      </p:sp>
+    </p:spTree>
+    <p:extLst>
+      <p:ext uri="{BB962C8B-B14F-4D97-AF65-F5344CB8AC3E}">
+        <p14:creationId xmlns:p14="http://schemas.microsoft.com/office/powerpoint/2010/main" val="1229894589"/>
+      </p:ext>
+    </p:extLst>
+  </p:cSld>
+  <p:clrMapOvr>
+    <a:masterClrMapping/>
+  </p:clrMapOvr>
+</p:sld>
+</file>
+
+<file path=ppt/slides/slide33.xml><?xml version="1.0" encoding="utf-8"?>
+<p:sld xmlns:a="http://schemas.openxmlformats.org/drawingml/2006/main" xmlns:r="http://schemas.openxmlformats.org/officeDocument/2006/relationships" xmlns:p="http://schemas.openxmlformats.org/presentationml/2006/main">
+  <p:cSld>
+    <p:spTree>
+      <p:nvGrpSpPr>
+        <p:cNvPr id="1" name=""/>
+        <p:cNvGrpSpPr/>
+        <p:nvPr/>
+      </p:nvGrpSpPr>
+      <p:grpSpPr>
+        <a:xfrm>
+          <a:off x="0" y="0"/>
+          <a:ext cx="0" cy="0"/>
+          <a:chOff x="0" y="0"/>
+          <a:chExt cx="0" cy="0"/>
+        </a:xfrm>
+      </p:grpSpPr>
+      <p:sp>
+        <p:nvSpPr>
+          <p:cNvPr id="2" name="Title 1">
+            <a:extLst>
+              <a:ext uri="{FF2B5EF4-FFF2-40B4-BE49-F238E27FC236}">
+                <a16:creationId xmlns:a16="http://schemas.microsoft.com/office/drawing/2014/main" id="{00C29119-EB12-4B2B-BF70-415E235B92E2}"/>
+              </a:ext>
+            </a:extLst>
+          </p:cNvPr>
+          <p:cNvSpPr>
+            <a:spLocks noGrp="1"/>
+          </p:cNvSpPr>
+          <p:nvPr>
+            <p:ph type="title"/>
+          </p:nvPr>
+        </p:nvSpPr>
+        <p:spPr/>
+        <p:txBody>
+          <a:bodyPr/>
+          <a:lstStyle/>
+          <a:p>
+            <a:r>
+              <a:rPr lang="en-US" dirty="0"/>
+              <a:t>Overview of Key ML Methods/Terms </a:t>
+            </a:r>
+          </a:p>
+        </p:txBody>
+      </p:sp>
+      <p:sp>
+        <p:nvSpPr>
+          <p:cNvPr id="3" name="Content Placeholder 2">
+            <a:extLst>
+              <a:ext uri="{FF2B5EF4-FFF2-40B4-BE49-F238E27FC236}">
+                <a16:creationId xmlns:a16="http://schemas.microsoft.com/office/drawing/2014/main" id="{7D9C13FB-F3EB-4BC0-B130-143DCC8FEBB4}"/>
+              </a:ext>
+            </a:extLst>
+          </p:cNvPr>
+          <p:cNvSpPr>
+            <a:spLocks noGrp="1"/>
+          </p:cNvSpPr>
+          <p:nvPr>
+            <p:ph idx="1"/>
+          </p:nvPr>
+        </p:nvSpPr>
+        <p:spPr>
+          <a:xfrm>
+            <a:off x="80554" y="804930"/>
+            <a:ext cx="10515600" cy="5248208"/>
+          </a:xfrm>
+        </p:spPr>
+        <p:txBody>
+          <a:bodyPr>
+            <a:normAutofit/>
+          </a:bodyPr>
+          <a:lstStyle/>
+          <a:p>
+            <a:r>
+              <a:rPr lang="en-US" dirty="0"/>
+              <a:t> Initial Model Building (Machine Leaning Pipeline)</a:t>
+            </a:r>
+          </a:p>
+          <a:p>
+            <a:r>
+              <a:rPr lang="en-US" dirty="0"/>
+              <a:t> Training, Evaluation, Tune, Evaluation, Test, Evaluation</a:t>
+            </a:r>
+          </a:p>
+          <a:p>
+            <a:r>
+              <a:rPr lang="en-US" dirty="0"/>
+              <a:t> Seed Setting -  Create a starting point for model comparison, used for algorithms that include a randomized component</a:t>
+            </a:r>
+          </a:p>
+        </p:txBody>
+      </p:sp>
+      <p:sp>
+        <p:nvSpPr>
+          <p:cNvPr id="4" name="Slide Number Placeholder 3">
+            <a:extLst>
+              <a:ext uri="{FF2B5EF4-FFF2-40B4-BE49-F238E27FC236}">
+                <a16:creationId xmlns:a16="http://schemas.microsoft.com/office/drawing/2014/main" id="{D92C9808-45ED-4122-BCBD-B3884450838E}"/>
+              </a:ext>
+            </a:extLst>
+          </p:cNvPr>
+          <p:cNvSpPr>
+            <a:spLocks noGrp="1"/>
+          </p:cNvSpPr>
+          <p:nvPr>
+            <p:ph type="sldNum" sz="quarter" idx="12"/>
+          </p:nvPr>
+        </p:nvSpPr>
+        <p:spPr/>
+        <p:txBody>
+          <a:bodyPr/>
+          <a:lstStyle/>
+          <a:p>
+            <a:fld id="{5ACD0CF0-90CC-9C41-A77B-2776398A8C8B}" type="slidenum">
+              <a:rPr lang="en-US" smtClean="0"/>
+              <a:pPr/>
+              <a:t>33</a:t>
+            </a:fld>
+            <a:endParaRPr lang="en-US"/>
+          </a:p>
+        </p:txBody>
+      </p:sp>
+    </p:spTree>
+    <p:extLst>
+      <p:ext uri="{BB962C8B-B14F-4D97-AF65-F5344CB8AC3E}">
+        <p14:creationId xmlns:p14="http://schemas.microsoft.com/office/powerpoint/2010/main" val="3926037402"/>
+      </p:ext>
+    </p:extLst>
+  </p:cSld>
+  <p:clrMapOvr>
+    <a:masterClrMapping/>
+  </p:clrMapOvr>
+</p:sld>
+</file>
+
+<file path=ppt/slides/slide34.xml><?xml version="1.0" encoding="utf-8"?>
+<p:sld xmlns:a="http://schemas.openxmlformats.org/drawingml/2006/main" xmlns:r="http://schemas.openxmlformats.org/officeDocument/2006/relationships" xmlns:p="http://schemas.openxmlformats.org/presentationml/2006/main">
+  <p:cSld>
+    <p:spTree>
+      <p:nvGrpSpPr>
+        <p:cNvPr id="1" name=""/>
+        <p:cNvGrpSpPr/>
+        <p:nvPr/>
+      </p:nvGrpSpPr>
+      <p:grpSpPr>
+        <a:xfrm>
+          <a:off x="0" y="0"/>
+          <a:ext cx="0" cy="0"/>
+          <a:chOff x="0" y="0"/>
+          <a:chExt cx="0" cy="0"/>
+        </a:xfrm>
+      </p:grpSpPr>
+      <p:sp>
+        <p:nvSpPr>
           <p:cNvPr id="2" name="Title 1">
             <a:extLst>
               <a:ext uri="{FF2B5EF4-FFF2-40B4-BE49-F238E27FC236}">
@@ -16160,7 +17041,7 @@
             <a:fld id="{5ACD0CF0-90CC-9C41-A77B-2776398A8C8B}" type="slidenum">
               <a:rPr lang="en-US" smtClean="0"/>
               <a:pPr/>
-              <a:t>30</a:t>
+              <a:t>34</a:t>
             </a:fld>
             <a:endParaRPr lang="en-US"/>
           </a:p>
@@ -16299,7 +17180,7 @@
 </p:sld>
 </file>
 
-<file path=ppt/slides/slide31.xml><?xml version="1.0" encoding="utf-8"?>
+<file path=ppt/slides/slide35.xml><?xml version="1.0" encoding="utf-8"?>
 <p:sld xmlns:a="http://schemas.openxmlformats.org/drawingml/2006/main" xmlns:r="http://schemas.openxmlformats.org/officeDocument/2006/relationships" xmlns:p="http://schemas.openxmlformats.org/presentationml/2006/main">
   <p:cSld>
     <p:spTree>
@@ -16369,7 +17250,7 @@
             <a:fld id="{5ACD0CF0-90CC-9C41-A77B-2776398A8C8B}" type="slidenum">
               <a:rPr lang="en-US" smtClean="0"/>
               <a:pPr/>
-              <a:t>31</a:t>
+              <a:t>35</a:t>
             </a:fld>
             <a:endParaRPr lang="en-US"/>
           </a:p>
@@ -16508,7 +17389,7 @@
 </p:sld>
 </file>
 
-<file path=ppt/slides/slide32.xml><?xml version="1.0" encoding="utf-8"?>
+<file path=ppt/slides/slide36.xml><?xml version="1.0" encoding="utf-8"?>
 <p:sld xmlns:a="http://schemas.openxmlformats.org/drawingml/2006/main" xmlns:r="http://schemas.openxmlformats.org/officeDocument/2006/relationships" xmlns:p="http://schemas.openxmlformats.org/presentationml/2006/main">
   <p:cSld>
     <p:spTree>
@@ -16549,7 +17430,7 @@
             <a:fld id="{5ACD0CF0-90CC-9C41-A77B-2776398A8C8B}" type="slidenum">
               <a:rPr lang="en-US" smtClean="0"/>
               <a:pPr/>
-              <a:t>32</a:t>
+              <a:t>36</a:t>
             </a:fld>
             <a:endParaRPr lang="en-US"/>
           </a:p>
@@ -16614,542 +17495,6 @@
     <p:extLst>
       <p:ext uri="{BB962C8B-B14F-4D97-AF65-F5344CB8AC3E}">
         <p14:creationId xmlns:p14="http://schemas.microsoft.com/office/powerpoint/2010/main" val="382854067"/>
-      </p:ext>
-    </p:extLst>
-  </p:cSld>
-  <p:clrMapOvr>
-    <a:masterClrMapping/>
-  </p:clrMapOvr>
-</p:sld>
-</file>
-
-<file path=ppt/slides/slide33.xml><?xml version="1.0" encoding="utf-8"?>
-<p:sld xmlns:a="http://schemas.openxmlformats.org/drawingml/2006/main" xmlns:r="http://schemas.openxmlformats.org/officeDocument/2006/relationships" xmlns:p="http://schemas.openxmlformats.org/presentationml/2006/main">
-  <p:cSld>
-    <p:spTree>
-      <p:nvGrpSpPr>
-        <p:cNvPr id="1" name=""/>
-        <p:cNvGrpSpPr/>
-        <p:nvPr/>
-      </p:nvGrpSpPr>
-      <p:grpSpPr>
-        <a:xfrm>
-          <a:off x="0" y="0"/>
-          <a:ext cx="0" cy="0"/>
-          <a:chOff x="0" y="0"/>
-          <a:chExt cx="0" cy="0"/>
-        </a:xfrm>
-      </p:grpSpPr>
-      <p:sp>
-        <p:nvSpPr>
-          <p:cNvPr id="2" name="Title 1">
-            <a:extLst>
-              <a:ext uri="{FF2B5EF4-FFF2-40B4-BE49-F238E27FC236}">
-                <a16:creationId xmlns:a16="http://schemas.microsoft.com/office/drawing/2014/main" id="{00C29119-EB12-4B2B-BF70-415E235B92E2}"/>
-              </a:ext>
-            </a:extLst>
-          </p:cNvPr>
-          <p:cNvSpPr>
-            <a:spLocks noGrp="1"/>
-          </p:cNvSpPr>
-          <p:nvPr>
-            <p:ph type="title"/>
-          </p:nvPr>
-        </p:nvSpPr>
-        <p:spPr/>
-        <p:txBody>
-          <a:bodyPr/>
-          <a:lstStyle/>
-          <a:p>
-            <a:r>
-              <a:rPr lang="en-US" dirty="0"/>
-              <a:t>Overview of Key ML Methods/Terms </a:t>
-            </a:r>
-          </a:p>
-        </p:txBody>
-      </p:sp>
-      <p:sp>
-        <p:nvSpPr>
-          <p:cNvPr id="3" name="Content Placeholder 2">
-            <a:extLst>
-              <a:ext uri="{FF2B5EF4-FFF2-40B4-BE49-F238E27FC236}">
-                <a16:creationId xmlns:a16="http://schemas.microsoft.com/office/drawing/2014/main" id="{7D9C13FB-F3EB-4BC0-B130-143DCC8FEBB4}"/>
-              </a:ext>
-            </a:extLst>
-          </p:cNvPr>
-          <p:cNvSpPr>
-            <a:spLocks noGrp="1"/>
-          </p:cNvSpPr>
-          <p:nvPr>
-            <p:ph idx="1"/>
-          </p:nvPr>
-        </p:nvSpPr>
-        <p:spPr>
-          <a:xfrm>
-            <a:off x="80554" y="804930"/>
-            <a:ext cx="10515600" cy="5248208"/>
-          </a:xfrm>
-        </p:spPr>
-        <p:txBody>
-          <a:bodyPr>
-            <a:normAutofit/>
-          </a:bodyPr>
-          <a:lstStyle/>
-          <a:p>
-            <a:r>
-              <a:rPr lang="en-US" dirty="0"/>
-              <a:t># Feature Engineering – Combining or exploring different levels of variable that best work in your model. Likely going to dedicate a week to just this topic.  </a:t>
-            </a:r>
-          </a:p>
-        </p:txBody>
-      </p:sp>
-      <p:sp>
-        <p:nvSpPr>
-          <p:cNvPr id="4" name="Slide Number Placeholder 3">
-            <a:extLst>
-              <a:ext uri="{FF2B5EF4-FFF2-40B4-BE49-F238E27FC236}">
-                <a16:creationId xmlns:a16="http://schemas.microsoft.com/office/drawing/2014/main" id="{D92C9808-45ED-4122-BCBD-B3884450838E}"/>
-              </a:ext>
-            </a:extLst>
-          </p:cNvPr>
-          <p:cNvSpPr>
-            <a:spLocks noGrp="1"/>
-          </p:cNvSpPr>
-          <p:nvPr>
-            <p:ph type="sldNum" sz="quarter" idx="12"/>
-          </p:nvPr>
-        </p:nvSpPr>
-        <p:spPr/>
-        <p:txBody>
-          <a:bodyPr/>
-          <a:lstStyle/>
-          <a:p>
-            <a:fld id="{5ACD0CF0-90CC-9C41-A77B-2776398A8C8B}" type="slidenum">
-              <a:rPr lang="en-US" smtClean="0"/>
-              <a:pPr/>
-              <a:t>33</a:t>
-            </a:fld>
-            <a:endParaRPr lang="en-US"/>
-          </a:p>
-        </p:txBody>
-      </p:sp>
-    </p:spTree>
-    <p:extLst>
-      <p:ext uri="{BB962C8B-B14F-4D97-AF65-F5344CB8AC3E}">
-        <p14:creationId xmlns:p14="http://schemas.microsoft.com/office/powerpoint/2010/main" val="173245280"/>
-      </p:ext>
-    </p:extLst>
-  </p:cSld>
-  <p:clrMapOvr>
-    <a:masterClrMapping/>
-  </p:clrMapOvr>
-</p:sld>
-</file>
-
-<file path=ppt/slides/slide34.xml><?xml version="1.0" encoding="utf-8"?>
-<p:sld xmlns:a="http://schemas.openxmlformats.org/drawingml/2006/main" xmlns:r="http://schemas.openxmlformats.org/officeDocument/2006/relationships" xmlns:p="http://schemas.openxmlformats.org/presentationml/2006/main">
-  <p:cSld>
-    <p:spTree>
-      <p:nvGrpSpPr>
-        <p:cNvPr id="1" name=""/>
-        <p:cNvGrpSpPr/>
-        <p:nvPr/>
-      </p:nvGrpSpPr>
-      <p:grpSpPr>
-        <a:xfrm>
-          <a:off x="0" y="0"/>
-          <a:ext cx="0" cy="0"/>
-          <a:chOff x="0" y="0"/>
-          <a:chExt cx="0" cy="0"/>
-        </a:xfrm>
-      </p:grpSpPr>
-      <p:sp>
-        <p:nvSpPr>
-          <p:cNvPr id="2" name="Title 1">
-            <a:extLst>
-              <a:ext uri="{FF2B5EF4-FFF2-40B4-BE49-F238E27FC236}">
-                <a16:creationId xmlns:a16="http://schemas.microsoft.com/office/drawing/2014/main" id="{00C29119-EB12-4B2B-BF70-415E235B92E2}"/>
-              </a:ext>
-            </a:extLst>
-          </p:cNvPr>
-          <p:cNvSpPr>
-            <a:spLocks noGrp="1"/>
-          </p:cNvSpPr>
-          <p:nvPr>
-            <p:ph type="title"/>
-          </p:nvPr>
-        </p:nvSpPr>
-        <p:spPr/>
-        <p:txBody>
-          <a:bodyPr/>
-          <a:lstStyle/>
-          <a:p>
-            <a:r>
-              <a:rPr lang="en-US" dirty="0"/>
-              <a:t>Overview of Key ML Methods/Terms </a:t>
-            </a:r>
-          </a:p>
-        </p:txBody>
-      </p:sp>
-      <p:sp>
-        <p:nvSpPr>
-          <p:cNvPr id="3" name="Content Placeholder 2">
-            <a:extLst>
-              <a:ext uri="{FF2B5EF4-FFF2-40B4-BE49-F238E27FC236}">
-                <a16:creationId xmlns:a16="http://schemas.microsoft.com/office/drawing/2014/main" id="{7D9C13FB-F3EB-4BC0-B130-143DCC8FEBB4}"/>
-              </a:ext>
-            </a:extLst>
-          </p:cNvPr>
-          <p:cNvSpPr>
-            <a:spLocks noGrp="1"/>
-          </p:cNvSpPr>
-          <p:nvPr>
-            <p:ph idx="1"/>
-          </p:nvPr>
-        </p:nvSpPr>
-        <p:spPr>
-          <a:xfrm>
-            <a:off x="80554" y="804930"/>
-            <a:ext cx="10515600" cy="5248208"/>
-          </a:xfrm>
-        </p:spPr>
-        <p:txBody>
-          <a:bodyPr>
-            <a:normAutofit/>
-          </a:bodyPr>
-          <a:lstStyle/>
-          <a:p>
-            <a:r>
-              <a:rPr lang="en-US" dirty="0"/>
-              <a:t># Thresholding – The percentage point where our models will predict the result to be either a 0 or 1, in the typical binary case. </a:t>
-            </a:r>
-          </a:p>
-          <a:p>
-            <a:endParaRPr lang="en-US" dirty="0"/>
-          </a:p>
-          <a:p>
-            <a:r>
-              <a:rPr lang="en-US" dirty="0"/>
-              <a:t>Adjust the threshold associated with indication of a positive class.  The default is 50%, could be that we want to be extra careful and instead adjust that measure up to 75% or 90%. </a:t>
-            </a:r>
-          </a:p>
-        </p:txBody>
-      </p:sp>
-      <p:sp>
-        <p:nvSpPr>
-          <p:cNvPr id="4" name="Slide Number Placeholder 3">
-            <a:extLst>
-              <a:ext uri="{FF2B5EF4-FFF2-40B4-BE49-F238E27FC236}">
-                <a16:creationId xmlns:a16="http://schemas.microsoft.com/office/drawing/2014/main" id="{D92C9808-45ED-4122-BCBD-B3884450838E}"/>
-              </a:ext>
-            </a:extLst>
-          </p:cNvPr>
-          <p:cNvSpPr>
-            <a:spLocks noGrp="1"/>
-          </p:cNvSpPr>
-          <p:nvPr>
-            <p:ph type="sldNum" sz="quarter" idx="12"/>
-          </p:nvPr>
-        </p:nvSpPr>
-        <p:spPr/>
-        <p:txBody>
-          <a:bodyPr/>
-          <a:lstStyle/>
-          <a:p>
-            <a:fld id="{5ACD0CF0-90CC-9C41-A77B-2776398A8C8B}" type="slidenum">
-              <a:rPr lang="en-US" smtClean="0"/>
-              <a:pPr/>
-              <a:t>34</a:t>
-            </a:fld>
-            <a:endParaRPr lang="en-US"/>
-          </a:p>
-        </p:txBody>
-      </p:sp>
-    </p:spTree>
-    <p:extLst>
-      <p:ext uri="{BB962C8B-B14F-4D97-AF65-F5344CB8AC3E}">
-        <p14:creationId xmlns:p14="http://schemas.microsoft.com/office/powerpoint/2010/main" val="3307537858"/>
-      </p:ext>
-    </p:extLst>
-  </p:cSld>
-  <p:clrMapOvr>
-    <a:masterClrMapping/>
-  </p:clrMapOvr>
-</p:sld>
-</file>
-
-<file path=ppt/slides/slide35.xml><?xml version="1.0" encoding="utf-8"?>
-<p:sld xmlns:a="http://schemas.openxmlformats.org/drawingml/2006/main" xmlns:r="http://schemas.openxmlformats.org/officeDocument/2006/relationships" xmlns:p="http://schemas.openxmlformats.org/presentationml/2006/main">
-  <p:cSld>
-    <p:spTree>
-      <p:nvGrpSpPr>
-        <p:cNvPr id="1" name=""/>
-        <p:cNvGrpSpPr/>
-        <p:nvPr/>
-      </p:nvGrpSpPr>
-      <p:grpSpPr>
-        <a:xfrm>
-          <a:off x="0" y="0"/>
-          <a:ext cx="0" cy="0"/>
-          <a:chOff x="0" y="0"/>
-          <a:chExt cx="0" cy="0"/>
-        </a:xfrm>
-      </p:grpSpPr>
-      <p:sp>
-        <p:nvSpPr>
-          <p:cNvPr id="2" name="Title 1">
-            <a:extLst>
-              <a:ext uri="{FF2B5EF4-FFF2-40B4-BE49-F238E27FC236}">
-                <a16:creationId xmlns:a16="http://schemas.microsoft.com/office/drawing/2014/main" id="{00C29119-EB12-4B2B-BF70-415E235B92E2}"/>
-              </a:ext>
-            </a:extLst>
-          </p:cNvPr>
-          <p:cNvSpPr>
-            <a:spLocks noGrp="1"/>
-          </p:cNvSpPr>
-          <p:nvPr>
-            <p:ph type="title"/>
-          </p:nvPr>
-        </p:nvSpPr>
-        <p:spPr/>
-        <p:txBody>
-          <a:bodyPr/>
-          <a:lstStyle/>
-          <a:p>
-            <a:r>
-              <a:rPr lang="en-US" dirty="0"/>
-              <a:t>Overview of Key ML Methods/Terms </a:t>
-            </a:r>
-          </a:p>
-        </p:txBody>
-      </p:sp>
-      <p:sp>
-        <p:nvSpPr>
-          <p:cNvPr id="3" name="Content Placeholder 2">
-            <a:extLst>
-              <a:ext uri="{FF2B5EF4-FFF2-40B4-BE49-F238E27FC236}">
-                <a16:creationId xmlns:a16="http://schemas.microsoft.com/office/drawing/2014/main" id="{7D9C13FB-F3EB-4BC0-B130-143DCC8FEBB4}"/>
-              </a:ext>
-            </a:extLst>
-          </p:cNvPr>
-          <p:cNvSpPr>
-            <a:spLocks noGrp="1"/>
-          </p:cNvSpPr>
-          <p:nvPr>
-            <p:ph idx="1"/>
-          </p:nvPr>
-        </p:nvSpPr>
-        <p:spPr>
-          <a:xfrm>
-            <a:off x="80554" y="804930"/>
-            <a:ext cx="10515600" cy="5248208"/>
-          </a:xfrm>
-        </p:spPr>
-        <p:txBody>
-          <a:bodyPr>
-            <a:normAutofit/>
-          </a:bodyPr>
-          <a:lstStyle/>
-          <a:p>
-            <a:r>
-              <a:rPr lang="en-US" dirty="0"/>
-              <a:t># Evaluation – The metrics you use to assess model quality. There are a ton of this measures, and we are dedicating an entire week to the exploring these further.  I’ll show some examples in the code for this week. </a:t>
-            </a:r>
-          </a:p>
-        </p:txBody>
-      </p:sp>
-      <p:sp>
-        <p:nvSpPr>
-          <p:cNvPr id="4" name="Slide Number Placeholder 3">
-            <a:extLst>
-              <a:ext uri="{FF2B5EF4-FFF2-40B4-BE49-F238E27FC236}">
-                <a16:creationId xmlns:a16="http://schemas.microsoft.com/office/drawing/2014/main" id="{D92C9808-45ED-4122-BCBD-B3884450838E}"/>
-              </a:ext>
-            </a:extLst>
-          </p:cNvPr>
-          <p:cNvSpPr>
-            <a:spLocks noGrp="1"/>
-          </p:cNvSpPr>
-          <p:nvPr>
-            <p:ph type="sldNum" sz="quarter" idx="12"/>
-          </p:nvPr>
-        </p:nvSpPr>
-        <p:spPr/>
-        <p:txBody>
-          <a:bodyPr/>
-          <a:lstStyle/>
-          <a:p>
-            <a:fld id="{5ACD0CF0-90CC-9C41-A77B-2776398A8C8B}" type="slidenum">
-              <a:rPr lang="en-US" smtClean="0"/>
-              <a:pPr/>
-              <a:t>35</a:t>
-            </a:fld>
-            <a:endParaRPr lang="en-US"/>
-          </a:p>
-        </p:txBody>
-      </p:sp>
-    </p:spTree>
-    <p:extLst>
-      <p:ext uri="{BB962C8B-B14F-4D97-AF65-F5344CB8AC3E}">
-        <p14:creationId xmlns:p14="http://schemas.microsoft.com/office/powerpoint/2010/main" val="1353548055"/>
-      </p:ext>
-    </p:extLst>
-  </p:cSld>
-  <p:clrMapOvr>
-    <a:masterClrMapping/>
-  </p:clrMapOvr>
-</p:sld>
-</file>
-
-<file path=ppt/slides/slide36.xml><?xml version="1.0" encoding="utf-8"?>
-<p:sld xmlns:a="http://schemas.openxmlformats.org/drawingml/2006/main" xmlns:r="http://schemas.openxmlformats.org/officeDocument/2006/relationships" xmlns:p="http://schemas.openxmlformats.org/presentationml/2006/main">
-  <p:cSld>
-    <p:spTree>
-      <p:nvGrpSpPr>
-        <p:cNvPr id="1" name=""/>
-        <p:cNvGrpSpPr/>
-        <p:nvPr/>
-      </p:nvGrpSpPr>
-      <p:grpSpPr>
-        <a:xfrm>
-          <a:off x="0" y="0"/>
-          <a:ext cx="0" cy="0"/>
-          <a:chOff x="0" y="0"/>
-          <a:chExt cx="0" cy="0"/>
-        </a:xfrm>
-      </p:grpSpPr>
-      <p:sp>
-        <p:nvSpPr>
-          <p:cNvPr id="2" name="Title 1"/>
-          <p:cNvSpPr>
-            <a:spLocks noGrp="1"/>
-          </p:cNvSpPr>
-          <p:nvPr>
-            <p:ph type="title"/>
-          </p:nvPr>
-        </p:nvSpPr>
-        <p:spPr/>
-        <p:txBody>
-          <a:bodyPr/>
-          <a:lstStyle/>
-          <a:p>
-            <a:r>
-              <a:rPr lang="en-US" dirty="0"/>
-              <a:t>Bias Versus Variance </a:t>
-            </a:r>
-          </a:p>
-        </p:txBody>
-      </p:sp>
-      <p:sp>
-        <p:nvSpPr>
-          <p:cNvPr id="4" name="Slide Number Placeholder 3"/>
-          <p:cNvSpPr>
-            <a:spLocks noGrp="1"/>
-          </p:cNvSpPr>
-          <p:nvPr>
-            <p:ph type="sldNum" sz="quarter" idx="12"/>
-          </p:nvPr>
-        </p:nvSpPr>
-        <p:spPr/>
-        <p:txBody>
-          <a:bodyPr/>
-          <a:lstStyle/>
-          <a:p>
-            <a:fld id="{5ACD0CF0-90CC-9C41-A77B-2776398A8C8B}" type="slidenum">
-              <a:rPr lang="en-US" smtClean="0"/>
-              <a:pPr/>
-              <a:t>36</a:t>
-            </a:fld>
-            <a:endParaRPr lang="en-US" dirty="0"/>
-          </a:p>
-        </p:txBody>
-      </p:sp>
-      <p:pic>
-        <p:nvPicPr>
-          <p:cNvPr id="7170" name="Picture 2" descr="https://s3-ap-south-1.amazonaws.com/av-blog-media/wp-content/uploads/2017/06/05211042/overunder21.png"/>
-          <p:cNvPicPr>
-            <a:picLocks noChangeAspect="1" noChangeArrowheads="1"/>
-          </p:cNvPicPr>
-          <p:nvPr/>
-        </p:nvPicPr>
-        <p:blipFill>
-          <a:blip r:embed="rId2">
-            <a:extLst>
-              <a:ext uri="{28A0092B-C50C-407E-A947-70E740481C1C}">
-                <a14:useLocalDpi xmlns:a14="http://schemas.microsoft.com/office/drawing/2010/main" val="0"/>
-              </a:ext>
-            </a:extLst>
-          </a:blip>
-          <a:srcRect/>
-          <a:stretch>
-            <a:fillRect/>
-          </a:stretch>
-        </p:blipFill>
-        <p:spPr bwMode="auto">
-          <a:xfrm>
-            <a:off x="155575" y="731521"/>
-            <a:ext cx="6315075" cy="2590800"/>
-          </a:xfrm>
-          <a:prstGeom prst="rect">
-            <a:avLst/>
-          </a:prstGeom>
-          <a:noFill/>
-          <a:extLst>
-            <a:ext uri="{909E8E84-426E-40DD-AFC4-6F175D3DCCD1}">
-              <a14:hiddenFill xmlns:a14="http://schemas.microsoft.com/office/drawing/2010/main">
-                <a:solidFill>
-                  <a:srgbClr val="FFFFFF"/>
-                </a:solidFill>
-              </a14:hiddenFill>
-            </a:ext>
-          </a:extLst>
-        </p:spPr>
-      </p:pic>
-      <p:pic>
-        <p:nvPicPr>
-          <p:cNvPr id="7172" name="Picture 4" descr="https://s3-ap-south-1.amazonaws.com/av-blog-media/wp-content/uploads/2017/06/05153246/bias-variance.png"/>
-          <p:cNvPicPr>
-            <a:picLocks noChangeAspect="1" noChangeArrowheads="1"/>
-          </p:cNvPicPr>
-          <p:nvPr/>
-        </p:nvPicPr>
-        <p:blipFill>
-          <a:blip r:embed="rId3">
-            <a:extLst>
-              <a:ext uri="{28A0092B-C50C-407E-A947-70E740481C1C}">
-                <a14:useLocalDpi xmlns:a14="http://schemas.microsoft.com/office/drawing/2010/main" val="0"/>
-              </a:ext>
-            </a:extLst>
-          </a:blip>
-          <a:srcRect/>
-          <a:stretch>
-            <a:fillRect/>
-          </a:stretch>
-        </p:blipFill>
-        <p:spPr bwMode="auto">
-          <a:xfrm>
-            <a:off x="6629112" y="1974849"/>
-            <a:ext cx="4552950" cy="4381501"/>
-          </a:xfrm>
-          <a:prstGeom prst="rect">
-            <a:avLst/>
-          </a:prstGeom>
-          <a:noFill/>
-          <a:extLst>
-            <a:ext uri="{909E8E84-426E-40DD-AFC4-6F175D3DCCD1}">
-              <a14:hiddenFill xmlns:a14="http://schemas.microsoft.com/office/drawing/2010/main">
-                <a:solidFill>
-                  <a:srgbClr val="FFFFFF"/>
-                </a:solidFill>
-              </a14:hiddenFill>
-            </a:ext>
-          </a:extLst>
-        </p:spPr>
-      </p:pic>
-    </p:spTree>
-    <p:extLst>
-      <p:ext uri="{BB962C8B-B14F-4D97-AF65-F5344CB8AC3E}">
-        <p14:creationId xmlns:p14="http://schemas.microsoft.com/office/powerpoint/2010/main" val="852001419"/>
       </p:ext>
     </p:extLst>
   </p:cSld>
@@ -17178,10 +17523,73 @@
       </p:grpSpPr>
       <p:sp>
         <p:nvSpPr>
+          <p:cNvPr id="2" name="Title 1">
+            <a:extLst>
+              <a:ext uri="{FF2B5EF4-FFF2-40B4-BE49-F238E27FC236}">
+                <a16:creationId xmlns:a16="http://schemas.microsoft.com/office/drawing/2014/main" id="{00C29119-EB12-4B2B-BF70-415E235B92E2}"/>
+              </a:ext>
+            </a:extLst>
+          </p:cNvPr>
+          <p:cNvSpPr>
+            <a:spLocks noGrp="1"/>
+          </p:cNvSpPr>
+          <p:nvPr>
+            <p:ph type="title"/>
+          </p:nvPr>
+        </p:nvSpPr>
+        <p:spPr/>
+        <p:txBody>
+          <a:bodyPr/>
+          <a:lstStyle/>
+          <a:p>
+            <a:r>
+              <a:rPr lang="en-US" dirty="0"/>
+              <a:t>Overview of Key ML Methods/Terms </a:t>
+            </a:r>
+          </a:p>
+        </p:txBody>
+      </p:sp>
+      <p:sp>
+        <p:nvSpPr>
+          <p:cNvPr id="3" name="Content Placeholder 2">
+            <a:extLst>
+              <a:ext uri="{FF2B5EF4-FFF2-40B4-BE49-F238E27FC236}">
+                <a16:creationId xmlns:a16="http://schemas.microsoft.com/office/drawing/2014/main" id="{7D9C13FB-F3EB-4BC0-B130-143DCC8FEBB4}"/>
+              </a:ext>
+            </a:extLst>
+          </p:cNvPr>
+          <p:cNvSpPr>
+            <a:spLocks noGrp="1"/>
+          </p:cNvSpPr>
+          <p:nvPr>
+            <p:ph idx="1"/>
+          </p:nvPr>
+        </p:nvSpPr>
+        <p:spPr>
+          <a:xfrm>
+            <a:off x="80554" y="804930"/>
+            <a:ext cx="10515600" cy="5248208"/>
+          </a:xfrm>
+        </p:spPr>
+        <p:txBody>
+          <a:bodyPr>
+            <a:normAutofit/>
+          </a:bodyPr>
+          <a:lstStyle/>
+          <a:p>
+            <a:r>
+              <a:rPr lang="en-US" dirty="0"/>
+              <a:t># Feature Engineering – Combining or exploring different levels of variable that best work in your model. Likely going to dedicate a week to just this topic.  </a:t>
+            </a:r>
+          </a:p>
+        </p:txBody>
+      </p:sp>
+      <p:sp>
+        <p:nvSpPr>
           <p:cNvPr id="4" name="Slide Number Placeholder 3">
             <a:extLst>
               <a:ext uri="{FF2B5EF4-FFF2-40B4-BE49-F238E27FC236}">
-                <a16:creationId xmlns:a16="http://schemas.microsoft.com/office/drawing/2014/main" id="{19A27C0B-F6A4-4D93-BA7D-9C1AD70732FD}"/>
+                <a16:creationId xmlns:a16="http://schemas.microsoft.com/office/drawing/2014/main" id="{D92C9808-45ED-4122-BCBD-B3884450838E}"/>
               </a:ext>
             </a:extLst>
           </p:cNvPr>
@@ -17206,50 +17614,10 @@
           </a:p>
         </p:txBody>
       </p:sp>
-      <p:sp>
-        <p:nvSpPr>
-          <p:cNvPr id="5" name="TextBox 4">
-            <a:extLst>
-              <a:ext uri="{FF2B5EF4-FFF2-40B4-BE49-F238E27FC236}">
-                <a16:creationId xmlns:a16="http://schemas.microsoft.com/office/drawing/2014/main" id="{4AA4C0B5-5CE5-4A91-8249-0DE79811D7E7}"/>
-              </a:ext>
-            </a:extLst>
-          </p:cNvPr>
-          <p:cNvSpPr txBox="1"/>
-          <p:nvPr/>
-        </p:nvSpPr>
-        <p:spPr>
-          <a:xfrm>
-            <a:off x="2085654" y="1433245"/>
-            <a:ext cx="8378575" cy="769441"/>
-          </a:xfrm>
-          <a:prstGeom prst="rect">
-            <a:avLst/>
-          </a:prstGeom>
-          <a:noFill/>
-        </p:spPr>
-        <p:txBody>
-          <a:bodyPr wrap="square" rtlCol="0">
-            <a:spAutoFit/>
-          </a:bodyPr>
-          <a:lstStyle/>
-          <a:p>
-            <a:pPr algn="ctr"/>
-            <a:r>
-              <a:rPr lang="en-US" sz="4400" dirty="0">
-                <a:solidFill>
-                  <a:schemeClr val="accent1"/>
-                </a:solidFill>
-              </a:rPr>
-              <a:t>Extra Material </a:t>
-            </a:r>
-          </a:p>
-        </p:txBody>
-      </p:sp>
     </p:spTree>
     <p:extLst>
       <p:ext uri="{BB962C8B-B14F-4D97-AF65-F5344CB8AC3E}">
-        <p14:creationId xmlns:p14="http://schemas.microsoft.com/office/powerpoint/2010/main" val="1516860987"/>
+        <p14:creationId xmlns:p14="http://schemas.microsoft.com/office/powerpoint/2010/main" val="173245280"/>
       </p:ext>
     </p:extLst>
   </p:cSld>
@@ -17278,10 +17646,82 @@
       </p:grpSpPr>
       <p:sp>
         <p:nvSpPr>
+          <p:cNvPr id="2" name="Title 1">
+            <a:extLst>
+              <a:ext uri="{FF2B5EF4-FFF2-40B4-BE49-F238E27FC236}">
+                <a16:creationId xmlns:a16="http://schemas.microsoft.com/office/drawing/2014/main" id="{00C29119-EB12-4B2B-BF70-415E235B92E2}"/>
+              </a:ext>
+            </a:extLst>
+          </p:cNvPr>
+          <p:cNvSpPr>
+            <a:spLocks noGrp="1"/>
+          </p:cNvSpPr>
+          <p:nvPr>
+            <p:ph type="title"/>
+          </p:nvPr>
+        </p:nvSpPr>
+        <p:spPr/>
+        <p:txBody>
+          <a:bodyPr/>
+          <a:lstStyle/>
+          <a:p>
+            <a:r>
+              <a:rPr lang="en-US" dirty="0"/>
+              <a:t>Overview of Key ML Methods/Terms </a:t>
+            </a:r>
+          </a:p>
+        </p:txBody>
+      </p:sp>
+      <p:sp>
+        <p:nvSpPr>
+          <p:cNvPr id="3" name="Content Placeholder 2">
+            <a:extLst>
+              <a:ext uri="{FF2B5EF4-FFF2-40B4-BE49-F238E27FC236}">
+                <a16:creationId xmlns:a16="http://schemas.microsoft.com/office/drawing/2014/main" id="{7D9C13FB-F3EB-4BC0-B130-143DCC8FEBB4}"/>
+              </a:ext>
+            </a:extLst>
+          </p:cNvPr>
+          <p:cNvSpPr>
+            <a:spLocks noGrp="1"/>
+          </p:cNvSpPr>
+          <p:nvPr>
+            <p:ph idx="1"/>
+          </p:nvPr>
+        </p:nvSpPr>
+        <p:spPr>
+          <a:xfrm>
+            <a:off x="80554" y="804930"/>
+            <a:ext cx="10515600" cy="5248208"/>
+          </a:xfrm>
+        </p:spPr>
+        <p:txBody>
+          <a:bodyPr>
+            <a:normAutofit/>
+          </a:bodyPr>
+          <a:lstStyle/>
+          <a:p>
+            <a:r>
+              <a:rPr lang="en-US" dirty="0"/>
+              <a:t> Thresholding – The percentage point where our models will predict the result to be either a 0 or 1, in the typical binary case. </a:t>
+            </a:r>
+          </a:p>
+          <a:p>
+            <a:endParaRPr lang="en-US" dirty="0"/>
+          </a:p>
+          <a:p>
+            <a:r>
+              <a:rPr lang="en-US" dirty="0"/>
+              <a:t> Adjust the threshold associated with indication of a positive class.  The default is 50%, could be that we want to be extra careful and instead adjust that measure up to 75% or 90%. </a:t>
+            </a:r>
+          </a:p>
+        </p:txBody>
+      </p:sp>
+      <p:sp>
+        <p:nvSpPr>
           <p:cNvPr id="4" name="Slide Number Placeholder 3">
             <a:extLst>
               <a:ext uri="{FF2B5EF4-FFF2-40B4-BE49-F238E27FC236}">
-                <a16:creationId xmlns:a16="http://schemas.microsoft.com/office/drawing/2014/main" id="{9C9FFE13-F397-4340-AE28-9AE96E56F414}"/>
+                <a16:creationId xmlns:a16="http://schemas.microsoft.com/office/drawing/2014/main" id="{D92C9808-45ED-4122-BCBD-B3884450838E}"/>
               </a:ext>
             </a:extLst>
           </p:cNvPr>
@@ -17306,67 +17746,10 @@
           </a:p>
         </p:txBody>
       </p:sp>
-      <p:sp>
-        <p:nvSpPr>
-          <p:cNvPr id="5" name="Rectangle 4">
-            <a:extLst>
-              <a:ext uri="{FF2B5EF4-FFF2-40B4-BE49-F238E27FC236}">
-                <a16:creationId xmlns:a16="http://schemas.microsoft.com/office/drawing/2014/main" id="{BBD9ADDE-BA09-449C-A1B4-28422D7C76D2}"/>
-              </a:ext>
-            </a:extLst>
-          </p:cNvPr>
-          <p:cNvSpPr/>
-          <p:nvPr/>
-        </p:nvSpPr>
-        <p:spPr>
-          <a:xfrm>
-            <a:off x="3131672" y="2325968"/>
-            <a:ext cx="6484470" cy="1495425"/>
-          </a:xfrm>
-          <a:prstGeom prst="rect">
-            <a:avLst/>
-          </a:prstGeom>
-        </p:spPr>
-        <p:style>
-          <a:lnRef idx="2">
-            <a:schemeClr val="accent1">
-              <a:shade val="50000"/>
-            </a:schemeClr>
-          </a:lnRef>
-          <a:fillRef idx="1">
-            <a:schemeClr val="accent1"/>
-          </a:fillRef>
-          <a:effectRef idx="0">
-            <a:schemeClr val="accent1"/>
-          </a:effectRef>
-          <a:fontRef idx="minor">
-            <a:schemeClr val="lt1"/>
-          </a:fontRef>
-        </p:style>
-        <p:txBody>
-          <a:bodyPr rtlCol="0" anchor="ctr"/>
-          <a:lstStyle/>
-          <a:p>
-            <a:pPr marL="0" indent="0" algn="ctr">
-              <a:buNone/>
-            </a:pPr>
-            <a:r>
-              <a:rPr lang="en-US" sz="3200" b="1" dirty="0">
-                <a:solidFill>
-                  <a:schemeClr val="bg1"/>
-                </a:solidFill>
-                <a:latin typeface="Aharoni" panose="02010803020104030203" pitchFamily="2" charset="-79"/>
-                <a:cs typeface="Aharoni" panose="02010803020104030203" pitchFamily="2" charset="-79"/>
-              </a:rPr>
-              <a:t>Bookings.com  </a:t>
-            </a:r>
-          </a:p>
-        </p:txBody>
-      </p:sp>
     </p:spTree>
     <p:extLst>
       <p:ext uri="{BB962C8B-B14F-4D97-AF65-F5344CB8AC3E}">
-        <p14:creationId xmlns:p14="http://schemas.microsoft.com/office/powerpoint/2010/main" val="716264179"/>
+        <p14:creationId xmlns:p14="http://schemas.microsoft.com/office/powerpoint/2010/main" val="3307537858"/>
       </p:ext>
     </p:extLst>
   </p:cSld>
@@ -17395,10 +17778,73 @@
       </p:grpSpPr>
       <p:sp>
         <p:nvSpPr>
+          <p:cNvPr id="2" name="Title 1">
+            <a:extLst>
+              <a:ext uri="{FF2B5EF4-FFF2-40B4-BE49-F238E27FC236}">
+                <a16:creationId xmlns:a16="http://schemas.microsoft.com/office/drawing/2014/main" id="{00C29119-EB12-4B2B-BF70-415E235B92E2}"/>
+              </a:ext>
+            </a:extLst>
+          </p:cNvPr>
+          <p:cNvSpPr>
+            <a:spLocks noGrp="1"/>
+          </p:cNvSpPr>
+          <p:nvPr>
+            <p:ph type="title"/>
+          </p:nvPr>
+        </p:nvSpPr>
+        <p:spPr/>
+        <p:txBody>
+          <a:bodyPr/>
+          <a:lstStyle/>
+          <a:p>
+            <a:r>
+              <a:rPr lang="en-US" dirty="0"/>
+              <a:t>Overview of Key ML Methods/Terms </a:t>
+            </a:r>
+          </a:p>
+        </p:txBody>
+      </p:sp>
+      <p:sp>
+        <p:nvSpPr>
+          <p:cNvPr id="3" name="Content Placeholder 2">
+            <a:extLst>
+              <a:ext uri="{FF2B5EF4-FFF2-40B4-BE49-F238E27FC236}">
+                <a16:creationId xmlns:a16="http://schemas.microsoft.com/office/drawing/2014/main" id="{7D9C13FB-F3EB-4BC0-B130-143DCC8FEBB4}"/>
+              </a:ext>
+            </a:extLst>
+          </p:cNvPr>
+          <p:cNvSpPr>
+            <a:spLocks noGrp="1"/>
+          </p:cNvSpPr>
+          <p:nvPr>
+            <p:ph idx="1"/>
+          </p:nvPr>
+        </p:nvSpPr>
+        <p:spPr>
+          <a:xfrm>
+            <a:off x="80554" y="804930"/>
+            <a:ext cx="10515600" cy="5248208"/>
+          </a:xfrm>
+        </p:spPr>
+        <p:txBody>
+          <a:bodyPr>
+            <a:normAutofit/>
+          </a:bodyPr>
+          <a:lstStyle/>
+          <a:p>
+            <a:r>
+              <a:rPr lang="en-US" dirty="0"/>
+              <a:t> Evaluation – The metrics you use to assess model quality. There are a ton of this measures, and we are dedicating an entire week to the exploring these further.  I’ll show some examples in the code for this week. </a:t>
+            </a:r>
+          </a:p>
+        </p:txBody>
+      </p:sp>
+      <p:sp>
+        <p:nvSpPr>
           <p:cNvPr id="4" name="Slide Number Placeholder 3">
             <a:extLst>
               <a:ext uri="{FF2B5EF4-FFF2-40B4-BE49-F238E27FC236}">
-                <a16:creationId xmlns:a16="http://schemas.microsoft.com/office/drawing/2014/main" id="{D63E7B0A-0F6F-407D-B326-5869613FA0C1}"/>
+                <a16:creationId xmlns:a16="http://schemas.microsoft.com/office/drawing/2014/main" id="{D92C9808-45ED-4122-BCBD-B3884450838E}"/>
               </a:ext>
             </a:extLst>
           </p:cNvPr>
@@ -17423,54 +17869,10 @@
           </a:p>
         </p:txBody>
       </p:sp>
-      <p:sp>
-        <p:nvSpPr>
-          <p:cNvPr id="5" name="TextBox 4">
-            <a:extLst>
-              <a:ext uri="{FF2B5EF4-FFF2-40B4-BE49-F238E27FC236}">
-                <a16:creationId xmlns:a16="http://schemas.microsoft.com/office/drawing/2014/main" id="{008389BF-DB6B-4DE8-9C67-D212F969903D}"/>
-              </a:ext>
-            </a:extLst>
-          </p:cNvPr>
-          <p:cNvSpPr txBox="1"/>
-          <p:nvPr/>
-        </p:nvSpPr>
-        <p:spPr>
-          <a:xfrm>
-            <a:off x="2550215" y="1724439"/>
-            <a:ext cx="7091569" cy="646331"/>
-          </a:xfrm>
-          <a:prstGeom prst="rect">
-            <a:avLst/>
-          </a:prstGeom>
-          <a:noFill/>
-        </p:spPr>
-        <p:txBody>
-          <a:bodyPr wrap="square" rtlCol="0">
-            <a:spAutoFit/>
-          </a:bodyPr>
-          <a:lstStyle/>
-          <a:p>
-            <a:pPr algn="ctr"/>
-            <a:r>
-              <a:rPr lang="en-US" sz="3600" dirty="0">
-                <a:solidFill>
-                  <a:schemeClr val="accent1">
-                    <a:lumMod val="50000"/>
-                  </a:schemeClr>
-                </a:solidFill>
-                <a:latin typeface="Times New Roman" panose="02020603050405020304" pitchFamily="18" charset="0"/>
-                <a:cs typeface="Times New Roman" panose="02020603050405020304" pitchFamily="18" charset="0"/>
-              </a:rPr>
-              <a:t>Lesson Learned: Booking.com</a:t>
-            </a:r>
-          </a:p>
-        </p:txBody>
-      </p:sp>
     </p:spTree>
     <p:extLst>
       <p:ext uri="{BB962C8B-B14F-4D97-AF65-F5344CB8AC3E}">
-        <p14:creationId xmlns:p14="http://schemas.microsoft.com/office/powerpoint/2010/main" val="1391280742"/>
+        <p14:creationId xmlns:p14="http://schemas.microsoft.com/office/powerpoint/2010/main" val="1353548055"/>
       </p:ext>
     </p:extLst>
   </p:cSld>
@@ -19169,8 +19571,8 @@
         </p:nvSpPr>
         <p:spPr>
           <a:xfrm>
-            <a:off x="4046784" y="610931"/>
-            <a:ext cx="3436280" cy="430887"/>
+            <a:off x="3292105" y="628116"/>
+            <a:ext cx="5425989" cy="430887"/>
           </a:xfrm>
           <a:prstGeom prst="rect">
             <a:avLst/>
@@ -19203,7 +19605,7 @@
                   <a:schemeClr val="accent3"/>
                 </a:solidFill>
               </a:rPr>
-              <a:t>Phase 2: Idea Testing</a:t>
+              <a:t>Phase 2: Data Prep and Problem Exploration</a:t>
             </a:r>
           </a:p>
         </p:txBody>
@@ -19758,6 +20160,485 @@
           <a:lstStyle/>
           <a:p>
             <a:r>
+              <a:rPr lang="en-US" dirty="0"/>
+              <a:t>Bias Versus Variance </a:t>
+            </a:r>
+          </a:p>
+        </p:txBody>
+      </p:sp>
+      <p:sp>
+        <p:nvSpPr>
+          <p:cNvPr id="4" name="Slide Number Placeholder 3"/>
+          <p:cNvSpPr>
+            <a:spLocks noGrp="1"/>
+          </p:cNvSpPr>
+          <p:nvPr>
+            <p:ph type="sldNum" sz="quarter" idx="12"/>
+          </p:nvPr>
+        </p:nvSpPr>
+        <p:spPr/>
+        <p:txBody>
+          <a:bodyPr/>
+          <a:lstStyle/>
+          <a:p>
+            <a:fld id="{5ACD0CF0-90CC-9C41-A77B-2776398A8C8B}" type="slidenum">
+              <a:rPr lang="en-US" smtClean="0"/>
+              <a:pPr/>
+              <a:t>40</a:t>
+            </a:fld>
+            <a:endParaRPr lang="en-US" dirty="0"/>
+          </a:p>
+        </p:txBody>
+      </p:sp>
+      <p:pic>
+        <p:nvPicPr>
+          <p:cNvPr id="7170" name="Picture 2" descr="https://s3-ap-south-1.amazonaws.com/av-blog-media/wp-content/uploads/2017/06/05211042/overunder21.png"/>
+          <p:cNvPicPr>
+            <a:picLocks noChangeAspect="1" noChangeArrowheads="1"/>
+          </p:cNvPicPr>
+          <p:nvPr/>
+        </p:nvPicPr>
+        <p:blipFill>
+          <a:blip r:embed="rId2">
+            <a:extLst>
+              <a:ext uri="{28A0092B-C50C-407E-A947-70E740481C1C}">
+                <a14:useLocalDpi xmlns:a14="http://schemas.microsoft.com/office/drawing/2010/main" val="0"/>
+              </a:ext>
+            </a:extLst>
+          </a:blip>
+          <a:srcRect/>
+          <a:stretch>
+            <a:fillRect/>
+          </a:stretch>
+        </p:blipFill>
+        <p:spPr bwMode="auto">
+          <a:xfrm>
+            <a:off x="155575" y="731521"/>
+            <a:ext cx="6315075" cy="2590800"/>
+          </a:xfrm>
+          <a:prstGeom prst="rect">
+            <a:avLst/>
+          </a:prstGeom>
+          <a:noFill/>
+          <a:extLst>
+            <a:ext uri="{909E8E84-426E-40DD-AFC4-6F175D3DCCD1}">
+              <a14:hiddenFill xmlns:a14="http://schemas.microsoft.com/office/drawing/2010/main">
+                <a:solidFill>
+                  <a:srgbClr val="FFFFFF"/>
+                </a:solidFill>
+              </a14:hiddenFill>
+            </a:ext>
+          </a:extLst>
+        </p:spPr>
+      </p:pic>
+      <p:pic>
+        <p:nvPicPr>
+          <p:cNvPr id="7172" name="Picture 4" descr="https://s3-ap-south-1.amazonaws.com/av-blog-media/wp-content/uploads/2017/06/05153246/bias-variance.png"/>
+          <p:cNvPicPr>
+            <a:picLocks noChangeAspect="1" noChangeArrowheads="1"/>
+          </p:cNvPicPr>
+          <p:nvPr/>
+        </p:nvPicPr>
+        <p:blipFill>
+          <a:blip r:embed="rId3">
+            <a:extLst>
+              <a:ext uri="{28A0092B-C50C-407E-A947-70E740481C1C}">
+                <a14:useLocalDpi xmlns:a14="http://schemas.microsoft.com/office/drawing/2010/main" val="0"/>
+              </a:ext>
+            </a:extLst>
+          </a:blip>
+          <a:srcRect/>
+          <a:stretch>
+            <a:fillRect/>
+          </a:stretch>
+        </p:blipFill>
+        <p:spPr bwMode="auto">
+          <a:xfrm>
+            <a:off x="6629112" y="1974849"/>
+            <a:ext cx="4552950" cy="4381501"/>
+          </a:xfrm>
+          <a:prstGeom prst="rect">
+            <a:avLst/>
+          </a:prstGeom>
+          <a:noFill/>
+          <a:extLst>
+            <a:ext uri="{909E8E84-426E-40DD-AFC4-6F175D3DCCD1}">
+              <a14:hiddenFill xmlns:a14="http://schemas.microsoft.com/office/drawing/2010/main">
+                <a:solidFill>
+                  <a:srgbClr val="FFFFFF"/>
+                </a:solidFill>
+              </a14:hiddenFill>
+            </a:ext>
+          </a:extLst>
+        </p:spPr>
+      </p:pic>
+    </p:spTree>
+    <p:extLst>
+      <p:ext uri="{BB962C8B-B14F-4D97-AF65-F5344CB8AC3E}">
+        <p14:creationId xmlns:p14="http://schemas.microsoft.com/office/powerpoint/2010/main" val="852001419"/>
+      </p:ext>
+    </p:extLst>
+  </p:cSld>
+  <p:clrMapOvr>
+    <a:masterClrMapping/>
+  </p:clrMapOvr>
+</p:sld>
+</file>
+
+<file path=ppt/slides/slide41.xml><?xml version="1.0" encoding="utf-8"?>
+<p:sld xmlns:a="http://schemas.openxmlformats.org/drawingml/2006/main" xmlns:r="http://schemas.openxmlformats.org/officeDocument/2006/relationships" xmlns:p="http://schemas.openxmlformats.org/presentationml/2006/main">
+  <p:cSld>
+    <p:spTree>
+      <p:nvGrpSpPr>
+        <p:cNvPr id="1" name=""/>
+        <p:cNvGrpSpPr/>
+        <p:nvPr/>
+      </p:nvGrpSpPr>
+      <p:grpSpPr>
+        <a:xfrm>
+          <a:off x="0" y="0"/>
+          <a:ext cx="0" cy="0"/>
+          <a:chOff x="0" y="0"/>
+          <a:chExt cx="0" cy="0"/>
+        </a:xfrm>
+      </p:grpSpPr>
+      <p:sp>
+        <p:nvSpPr>
+          <p:cNvPr id="4" name="Slide Number Placeholder 3">
+            <a:extLst>
+              <a:ext uri="{FF2B5EF4-FFF2-40B4-BE49-F238E27FC236}">
+                <a16:creationId xmlns:a16="http://schemas.microsoft.com/office/drawing/2014/main" id="{19A27C0B-F6A4-4D93-BA7D-9C1AD70732FD}"/>
+              </a:ext>
+            </a:extLst>
+          </p:cNvPr>
+          <p:cNvSpPr>
+            <a:spLocks noGrp="1"/>
+          </p:cNvSpPr>
+          <p:nvPr>
+            <p:ph type="sldNum" sz="quarter" idx="12"/>
+          </p:nvPr>
+        </p:nvSpPr>
+        <p:spPr/>
+        <p:txBody>
+          <a:bodyPr/>
+          <a:lstStyle/>
+          <a:p>
+            <a:fld id="{5ACD0CF0-90CC-9C41-A77B-2776398A8C8B}" type="slidenum">
+              <a:rPr lang="en-US" smtClean="0"/>
+              <a:pPr/>
+              <a:t>41</a:t>
+            </a:fld>
+            <a:endParaRPr lang="en-US"/>
+          </a:p>
+        </p:txBody>
+      </p:sp>
+      <p:sp>
+        <p:nvSpPr>
+          <p:cNvPr id="5" name="TextBox 4">
+            <a:extLst>
+              <a:ext uri="{FF2B5EF4-FFF2-40B4-BE49-F238E27FC236}">
+                <a16:creationId xmlns:a16="http://schemas.microsoft.com/office/drawing/2014/main" id="{4AA4C0B5-5CE5-4A91-8249-0DE79811D7E7}"/>
+              </a:ext>
+            </a:extLst>
+          </p:cNvPr>
+          <p:cNvSpPr txBox="1"/>
+          <p:nvPr/>
+        </p:nvSpPr>
+        <p:spPr>
+          <a:xfrm>
+            <a:off x="2085654" y="1433245"/>
+            <a:ext cx="8378575" cy="769441"/>
+          </a:xfrm>
+          <a:prstGeom prst="rect">
+            <a:avLst/>
+          </a:prstGeom>
+          <a:noFill/>
+        </p:spPr>
+        <p:txBody>
+          <a:bodyPr wrap="square" rtlCol="0">
+            <a:spAutoFit/>
+          </a:bodyPr>
+          <a:lstStyle/>
+          <a:p>
+            <a:pPr algn="ctr"/>
+            <a:r>
+              <a:rPr lang="en-US" sz="4400" dirty="0">
+                <a:solidFill>
+                  <a:schemeClr val="accent1"/>
+                </a:solidFill>
+              </a:rPr>
+              <a:t>Extra Material </a:t>
+            </a:r>
+          </a:p>
+        </p:txBody>
+      </p:sp>
+    </p:spTree>
+    <p:extLst>
+      <p:ext uri="{BB962C8B-B14F-4D97-AF65-F5344CB8AC3E}">
+        <p14:creationId xmlns:p14="http://schemas.microsoft.com/office/powerpoint/2010/main" val="1516860987"/>
+      </p:ext>
+    </p:extLst>
+  </p:cSld>
+  <p:clrMapOvr>
+    <a:masterClrMapping/>
+  </p:clrMapOvr>
+</p:sld>
+</file>
+
+<file path=ppt/slides/slide42.xml><?xml version="1.0" encoding="utf-8"?>
+<p:sld xmlns:a="http://schemas.openxmlformats.org/drawingml/2006/main" xmlns:r="http://schemas.openxmlformats.org/officeDocument/2006/relationships" xmlns:p="http://schemas.openxmlformats.org/presentationml/2006/main">
+  <p:cSld>
+    <p:spTree>
+      <p:nvGrpSpPr>
+        <p:cNvPr id="1" name=""/>
+        <p:cNvGrpSpPr/>
+        <p:nvPr/>
+      </p:nvGrpSpPr>
+      <p:grpSpPr>
+        <a:xfrm>
+          <a:off x="0" y="0"/>
+          <a:ext cx="0" cy="0"/>
+          <a:chOff x="0" y="0"/>
+          <a:chExt cx="0" cy="0"/>
+        </a:xfrm>
+      </p:grpSpPr>
+      <p:sp>
+        <p:nvSpPr>
+          <p:cNvPr id="4" name="Slide Number Placeholder 3">
+            <a:extLst>
+              <a:ext uri="{FF2B5EF4-FFF2-40B4-BE49-F238E27FC236}">
+                <a16:creationId xmlns:a16="http://schemas.microsoft.com/office/drawing/2014/main" id="{9C9FFE13-F397-4340-AE28-9AE96E56F414}"/>
+              </a:ext>
+            </a:extLst>
+          </p:cNvPr>
+          <p:cNvSpPr>
+            <a:spLocks noGrp="1"/>
+          </p:cNvSpPr>
+          <p:nvPr>
+            <p:ph type="sldNum" sz="quarter" idx="12"/>
+          </p:nvPr>
+        </p:nvSpPr>
+        <p:spPr/>
+        <p:txBody>
+          <a:bodyPr/>
+          <a:lstStyle/>
+          <a:p>
+            <a:fld id="{5ACD0CF0-90CC-9C41-A77B-2776398A8C8B}" type="slidenum">
+              <a:rPr lang="en-US" smtClean="0"/>
+              <a:pPr/>
+              <a:t>42</a:t>
+            </a:fld>
+            <a:endParaRPr lang="en-US"/>
+          </a:p>
+        </p:txBody>
+      </p:sp>
+      <p:sp>
+        <p:nvSpPr>
+          <p:cNvPr id="5" name="Rectangle 4">
+            <a:extLst>
+              <a:ext uri="{FF2B5EF4-FFF2-40B4-BE49-F238E27FC236}">
+                <a16:creationId xmlns:a16="http://schemas.microsoft.com/office/drawing/2014/main" id="{BBD9ADDE-BA09-449C-A1B4-28422D7C76D2}"/>
+              </a:ext>
+            </a:extLst>
+          </p:cNvPr>
+          <p:cNvSpPr/>
+          <p:nvPr/>
+        </p:nvSpPr>
+        <p:spPr>
+          <a:xfrm>
+            <a:off x="3131672" y="2325968"/>
+            <a:ext cx="6484470" cy="1495425"/>
+          </a:xfrm>
+          <a:prstGeom prst="rect">
+            <a:avLst/>
+          </a:prstGeom>
+        </p:spPr>
+        <p:style>
+          <a:lnRef idx="2">
+            <a:schemeClr val="accent1">
+              <a:shade val="50000"/>
+            </a:schemeClr>
+          </a:lnRef>
+          <a:fillRef idx="1">
+            <a:schemeClr val="accent1"/>
+          </a:fillRef>
+          <a:effectRef idx="0">
+            <a:schemeClr val="accent1"/>
+          </a:effectRef>
+          <a:fontRef idx="minor">
+            <a:schemeClr val="lt1"/>
+          </a:fontRef>
+        </p:style>
+        <p:txBody>
+          <a:bodyPr rtlCol="0" anchor="ctr"/>
+          <a:lstStyle/>
+          <a:p>
+            <a:pPr marL="0" indent="0" algn="ctr">
+              <a:buNone/>
+            </a:pPr>
+            <a:r>
+              <a:rPr lang="en-US" sz="3200" b="1" dirty="0">
+                <a:solidFill>
+                  <a:schemeClr val="bg1"/>
+                </a:solidFill>
+                <a:latin typeface="Aharoni" panose="02010803020104030203" pitchFamily="2" charset="-79"/>
+                <a:cs typeface="Aharoni" panose="02010803020104030203" pitchFamily="2" charset="-79"/>
+              </a:rPr>
+              <a:t>Bookings.com  </a:t>
+            </a:r>
+          </a:p>
+        </p:txBody>
+      </p:sp>
+    </p:spTree>
+    <p:extLst>
+      <p:ext uri="{BB962C8B-B14F-4D97-AF65-F5344CB8AC3E}">
+        <p14:creationId xmlns:p14="http://schemas.microsoft.com/office/powerpoint/2010/main" val="716264179"/>
+      </p:ext>
+    </p:extLst>
+  </p:cSld>
+  <p:clrMapOvr>
+    <a:masterClrMapping/>
+  </p:clrMapOvr>
+</p:sld>
+</file>
+
+<file path=ppt/slides/slide43.xml><?xml version="1.0" encoding="utf-8"?>
+<p:sld xmlns:a="http://schemas.openxmlformats.org/drawingml/2006/main" xmlns:r="http://schemas.openxmlformats.org/officeDocument/2006/relationships" xmlns:p="http://schemas.openxmlformats.org/presentationml/2006/main">
+  <p:cSld>
+    <p:spTree>
+      <p:nvGrpSpPr>
+        <p:cNvPr id="1" name=""/>
+        <p:cNvGrpSpPr/>
+        <p:nvPr/>
+      </p:nvGrpSpPr>
+      <p:grpSpPr>
+        <a:xfrm>
+          <a:off x="0" y="0"/>
+          <a:ext cx="0" cy="0"/>
+          <a:chOff x="0" y="0"/>
+          <a:chExt cx="0" cy="0"/>
+        </a:xfrm>
+      </p:grpSpPr>
+      <p:sp>
+        <p:nvSpPr>
+          <p:cNvPr id="4" name="Slide Number Placeholder 3">
+            <a:extLst>
+              <a:ext uri="{FF2B5EF4-FFF2-40B4-BE49-F238E27FC236}">
+                <a16:creationId xmlns:a16="http://schemas.microsoft.com/office/drawing/2014/main" id="{D63E7B0A-0F6F-407D-B326-5869613FA0C1}"/>
+              </a:ext>
+            </a:extLst>
+          </p:cNvPr>
+          <p:cNvSpPr>
+            <a:spLocks noGrp="1"/>
+          </p:cNvSpPr>
+          <p:nvPr>
+            <p:ph type="sldNum" sz="quarter" idx="12"/>
+          </p:nvPr>
+        </p:nvSpPr>
+        <p:spPr/>
+        <p:txBody>
+          <a:bodyPr/>
+          <a:lstStyle/>
+          <a:p>
+            <a:fld id="{5ACD0CF0-90CC-9C41-A77B-2776398A8C8B}" type="slidenum">
+              <a:rPr lang="en-US" smtClean="0"/>
+              <a:pPr/>
+              <a:t>43</a:t>
+            </a:fld>
+            <a:endParaRPr lang="en-US"/>
+          </a:p>
+        </p:txBody>
+      </p:sp>
+      <p:sp>
+        <p:nvSpPr>
+          <p:cNvPr id="5" name="TextBox 4">
+            <a:extLst>
+              <a:ext uri="{FF2B5EF4-FFF2-40B4-BE49-F238E27FC236}">
+                <a16:creationId xmlns:a16="http://schemas.microsoft.com/office/drawing/2014/main" id="{008389BF-DB6B-4DE8-9C67-D212F969903D}"/>
+              </a:ext>
+            </a:extLst>
+          </p:cNvPr>
+          <p:cNvSpPr txBox="1"/>
+          <p:nvPr/>
+        </p:nvSpPr>
+        <p:spPr>
+          <a:xfrm>
+            <a:off x="2550215" y="1724439"/>
+            <a:ext cx="7091569" cy="646331"/>
+          </a:xfrm>
+          <a:prstGeom prst="rect">
+            <a:avLst/>
+          </a:prstGeom>
+          <a:noFill/>
+        </p:spPr>
+        <p:txBody>
+          <a:bodyPr wrap="square" rtlCol="0">
+            <a:spAutoFit/>
+          </a:bodyPr>
+          <a:lstStyle/>
+          <a:p>
+            <a:pPr algn="ctr"/>
+            <a:r>
+              <a:rPr lang="en-US" sz="3600" dirty="0">
+                <a:solidFill>
+                  <a:schemeClr val="accent1">
+                    <a:lumMod val="50000"/>
+                  </a:schemeClr>
+                </a:solidFill>
+                <a:latin typeface="Times New Roman" panose="02020603050405020304" pitchFamily="18" charset="0"/>
+                <a:cs typeface="Times New Roman" panose="02020603050405020304" pitchFamily="18" charset="0"/>
+              </a:rPr>
+              <a:t>Lesson Learned: Booking.com</a:t>
+            </a:r>
+          </a:p>
+        </p:txBody>
+      </p:sp>
+    </p:spTree>
+    <p:extLst>
+      <p:ext uri="{BB962C8B-B14F-4D97-AF65-F5344CB8AC3E}">
+        <p14:creationId xmlns:p14="http://schemas.microsoft.com/office/powerpoint/2010/main" val="1391280742"/>
+      </p:ext>
+    </p:extLst>
+  </p:cSld>
+  <p:clrMapOvr>
+    <a:masterClrMapping/>
+  </p:clrMapOvr>
+</p:sld>
+</file>
+
+<file path=ppt/slides/slide44.xml><?xml version="1.0" encoding="utf-8"?>
+<p:sld xmlns:a="http://schemas.openxmlformats.org/drawingml/2006/main" xmlns:r="http://schemas.openxmlformats.org/officeDocument/2006/relationships" xmlns:p="http://schemas.openxmlformats.org/presentationml/2006/main">
+  <p:cSld>
+    <p:spTree>
+      <p:nvGrpSpPr>
+        <p:cNvPr id="1" name=""/>
+        <p:cNvGrpSpPr/>
+        <p:nvPr/>
+      </p:nvGrpSpPr>
+      <p:grpSpPr>
+        <a:xfrm>
+          <a:off x="0" y="0"/>
+          <a:ext cx="0" cy="0"/>
+          <a:chOff x="0" y="0"/>
+          <a:chExt cx="0" cy="0"/>
+        </a:xfrm>
+      </p:grpSpPr>
+      <p:sp>
+        <p:nvSpPr>
+          <p:cNvPr id="2" name="Title 1"/>
+          <p:cNvSpPr>
+            <a:spLocks noGrp="1"/>
+          </p:cNvSpPr>
+          <p:nvPr>
+            <p:ph type="title"/>
+          </p:nvPr>
+        </p:nvSpPr>
+        <p:spPr/>
+        <p:txBody>
+          <a:bodyPr/>
+          <a:lstStyle/>
+          <a:p>
+            <a:r>
               <a:rPr lang="en-US" dirty="0">
                 <a:solidFill>
                   <a:srgbClr val="002060"/>
@@ -19894,7 +20775,7 @@
                 <a:latin typeface="Times New Roman" panose="02020603050405020304" pitchFamily="18" charset="0"/>
                 <a:cs typeface="Times New Roman" panose="02020603050405020304" pitchFamily="18" charset="0"/>
               </a:rPr>
-              <a:t>40</a:t>
+              <a:t>44</a:t>
             </a:fld>
             <a:endParaRPr lang="en-US" dirty="0">
               <a:latin typeface="Times New Roman" panose="02020603050405020304" pitchFamily="18" charset="0"/>
@@ -20158,7 +21039,7 @@
 </p:sld>
 </file>
 
-<file path=ppt/slides/slide41.xml><?xml version="1.0" encoding="utf-8"?>
+<file path=ppt/slides/slide45.xml><?xml version="1.0" encoding="utf-8"?>
 <p:sld xmlns:a="http://schemas.openxmlformats.org/drawingml/2006/main" xmlns:r="http://schemas.openxmlformats.org/officeDocument/2006/relationships" xmlns:p="http://schemas.openxmlformats.org/presentationml/2006/main">
   <p:cSld>
     <p:spTree>
@@ -20343,7 +21224,7 @@
                 <a:latin typeface="Times New Roman" panose="02020603050405020304" pitchFamily="18" charset="0"/>
                 <a:cs typeface="Times New Roman" panose="02020603050405020304" pitchFamily="18" charset="0"/>
               </a:rPr>
-              <a:t>41</a:t>
+              <a:t>45</a:t>
             </a:fld>
             <a:endParaRPr lang="en-US" dirty="0">
               <a:latin typeface="Times New Roman" panose="02020603050405020304" pitchFamily="18" charset="0"/>
@@ -20607,7 +21488,7 @@
 </p:sld>
 </file>
 
-<file path=ppt/slides/slide42.xml><?xml version="1.0" encoding="utf-8"?>
+<file path=ppt/slides/slide46.xml><?xml version="1.0" encoding="utf-8"?>
 <p:sld xmlns:a="http://schemas.openxmlformats.org/drawingml/2006/main" xmlns:r="http://schemas.openxmlformats.org/officeDocument/2006/relationships" xmlns:p="http://schemas.openxmlformats.org/presentationml/2006/main">
   <p:cSld>
     <p:spTree>
@@ -20814,7 +21695,7 @@
                 <a:latin typeface="Times New Roman" panose="02020603050405020304" pitchFamily="18" charset="0"/>
                 <a:cs typeface="Times New Roman" panose="02020603050405020304" pitchFamily="18" charset="0"/>
               </a:rPr>
-              <a:t>42</a:t>
+              <a:t>46</a:t>
             </a:fld>
             <a:endParaRPr lang="en-US" dirty="0">
               <a:latin typeface="Times New Roman" panose="02020603050405020304" pitchFamily="18" charset="0"/>
@@ -21078,7 +21959,7 @@
 </p:sld>
 </file>
 
-<file path=ppt/slides/slide43.xml><?xml version="1.0" encoding="utf-8"?>
+<file path=ppt/slides/slide47.xml><?xml version="1.0" encoding="utf-8"?>
 <p:sld xmlns:a="http://schemas.openxmlformats.org/drawingml/2006/main" xmlns:r="http://schemas.openxmlformats.org/officeDocument/2006/relationships" xmlns:p="http://schemas.openxmlformats.org/presentationml/2006/main" showMasterSp="0">
   <p:cSld>
     <p:bg>
@@ -21151,7 +22032,7 @@
           <a:p>
             <a:fld id="{5ACD0CF0-90CC-9C41-A77B-2776398A8C8B}" type="slidenum">
               <a:rPr lang="en-US" smtClean="0"/>
-              <a:t>43</a:t>
+              <a:t>47</a:t>
             </a:fld>
             <a:endParaRPr lang="en-US"/>
           </a:p>
@@ -21171,12 +22052,12 @@
           </p:cNvPicPr>
           <p:nvPr>
             <p:custDataLst>
-              <p:tags r:id="rId1"/>
+              <p:tags r:id="rId2"/>
             </p:custDataLst>
           </p:nvPr>
         </p:nvPicPr>
         <p:blipFill>
-          <a:blip r:embed="rId5"/>
+          <a:blip r:embed="rId7"/>
           <a:stretch>
             <a:fillRect/>
           </a:stretch>
@@ -21203,7 +22084,7 @@
           <p:cNvSpPr/>
           <p:nvPr>
             <p:custDataLst>
-              <p:tags r:id="rId2"/>
+              <p:tags r:id="rId3"/>
             </p:custDataLst>
           </p:nvPr>
         </p:nvSpPr>
@@ -21268,7 +22149,7 @@
           <p:cNvSpPr/>
           <p:nvPr>
             <p:custDataLst>
-              <p:tags r:id="rId3"/>
+              <p:tags r:id="rId4"/>
             </p:custDataLst>
           </p:nvPr>
         </p:nvSpPr>
@@ -21343,7 +22224,44 @@
           </a:p>
         </p:txBody>
       </p:sp>
+      <p:pic>
+        <p:nvPicPr>
+          <p:cNvPr id="8" name="Picture 7">
+            <a:extLst>
+              <a:ext uri="{FF2B5EF4-FFF2-40B4-BE49-F238E27FC236}">
+                <a16:creationId xmlns:a16="http://schemas.microsoft.com/office/drawing/2014/main" id="{2BDAFFC6-5EF6-47AF-A8AA-5D93FBE65A96}"/>
+              </a:ext>
+            </a:extLst>
+          </p:cNvPr>
+          <p:cNvPicPr>
+            <a:picLocks/>
+          </p:cNvPicPr>
+          <p:nvPr>
+            <p:custDataLst>
+              <p:tags r:id="rId5"/>
+            </p:custDataLst>
+          </p:nvPr>
+        </p:nvPicPr>
+        <p:blipFill>
+          <a:blip r:embed="rId8"/>
+          <a:stretch>
+            <a:fillRect/>
+          </a:stretch>
+        </p:blipFill>
+        <p:spPr>
+          <a:xfrm>
+            <a:off x="508000" y="2209800"/>
+            <a:ext cx="2438400" cy="2438400"/>
+          </a:xfrm>
+          <a:prstGeom prst="rect">
+            <a:avLst/>
+          </a:prstGeom>
+        </p:spPr>
+      </p:pic>
     </p:spTree>
+    <p:custDataLst>
+      <p:tags r:id="rId1"/>
+    </p:custDataLst>
     <p:extLst>
       <p:ext uri="{BB962C8B-B14F-4D97-AF65-F5344CB8AC3E}">
         <p14:creationId xmlns:p14="http://schemas.microsoft.com/office/powerpoint/2010/main" val="1967516141"/>
@@ -21558,7 +22476,7 @@
 </file>
 
 <file path=ppt/slides/slide6.xml><?xml version="1.0" encoding="utf-8"?>
-<p:sld xmlns:a="http://schemas.openxmlformats.org/drawingml/2006/main" xmlns:r="http://schemas.openxmlformats.org/officeDocument/2006/relationships" xmlns:p="http://schemas.openxmlformats.org/presentationml/2006/main" showMasterSp="0">
+<p:sld xmlns:a="http://schemas.openxmlformats.org/drawingml/2006/main" xmlns:r="http://schemas.openxmlformats.org/officeDocument/2006/relationships" xmlns:p="http://schemas.openxmlformats.org/presentationml/2006/main" showMasterSp="0" show="0">
   <p:cSld>
     <p:bg>
       <p:bgPr>
@@ -21650,12 +22568,12 @@
           </p:cNvPicPr>
           <p:nvPr>
             <p:custDataLst>
-              <p:tags r:id="rId1"/>
+              <p:tags r:id="rId2"/>
             </p:custDataLst>
           </p:nvPr>
         </p:nvPicPr>
         <p:blipFill>
-          <a:blip r:embed="rId5"/>
+          <a:blip r:embed="rId7"/>
           <a:stretch>
             <a:fillRect/>
           </a:stretch>
@@ -21682,7 +22600,7 @@
           <p:cNvSpPr/>
           <p:nvPr>
             <p:custDataLst>
-              <p:tags r:id="rId2"/>
+              <p:tags r:id="rId3"/>
             </p:custDataLst>
           </p:nvPr>
         </p:nvSpPr>
@@ -21747,7 +22665,7 @@
           <p:cNvSpPr/>
           <p:nvPr>
             <p:custDataLst>
-              <p:tags r:id="rId3"/>
+              <p:tags r:id="rId4"/>
             </p:custDataLst>
           </p:nvPr>
         </p:nvSpPr>
@@ -21879,7 +22797,44 @@
           </a:p>
         </p:txBody>
       </p:sp>
+      <p:pic>
+        <p:nvPicPr>
+          <p:cNvPr id="9" name="Picture 8">
+            <a:extLst>
+              <a:ext uri="{FF2B5EF4-FFF2-40B4-BE49-F238E27FC236}">
+                <a16:creationId xmlns:a16="http://schemas.microsoft.com/office/drawing/2014/main" id="{7EE59401-00AF-4006-A3E2-2BF73F3AA423}"/>
+              </a:ext>
+            </a:extLst>
+          </p:cNvPr>
+          <p:cNvPicPr>
+            <a:picLocks/>
+          </p:cNvPicPr>
+          <p:nvPr>
+            <p:custDataLst>
+              <p:tags r:id="rId5"/>
+            </p:custDataLst>
+          </p:nvPr>
+        </p:nvPicPr>
+        <p:blipFill>
+          <a:blip r:embed="rId8"/>
+          <a:stretch>
+            <a:fillRect/>
+          </a:stretch>
+        </p:blipFill>
+        <p:spPr>
+          <a:xfrm>
+            <a:off x="508000" y="2209800"/>
+            <a:ext cx="2438400" cy="2438400"/>
+          </a:xfrm>
+          <a:prstGeom prst="rect">
+            <a:avLst/>
+          </a:prstGeom>
+        </p:spPr>
+      </p:pic>
     </p:spTree>
+    <p:custDataLst>
+      <p:tags r:id="rId1"/>
+    </p:custDataLst>
     <p:extLst>
       <p:ext uri="{BB962C8B-B14F-4D97-AF65-F5344CB8AC3E}">
         <p14:creationId xmlns:p14="http://schemas.microsoft.com/office/powerpoint/2010/main" val="1312802864"/>
@@ -24023,35 +24978,63 @@
 
 <file path=ppt/tags/tag1.xml><?xml version="1.0" encoding="utf-8"?>
 <p:tagLst xmlns:a="http://schemas.openxmlformats.org/drawingml/2006/main" xmlns:r="http://schemas.openxmlformats.org/officeDocument/2006/relationships" xmlns:p="http://schemas.openxmlformats.org/presentationml/2006/main">
-  <p:tag name="SLIDO_ELEMENT" val="logo"/>
+  <p:tag name="SLIDO_TYPE" val="Standard"/>
+  <p:tag name="SLIDO_TIMELINE" val="W3sicG9sbFF1ZXN0aW9uVXVpZCI6IjYyY2U0ZjA0LTFjYTQtNDVkMS04OTQxLTgwMDM2MWQ4ZmRiMCIsInNob3dSZXN1bHRzIjp0cnVlLCJzaG93Q29ycmVjdEFuc3dlcnMiOmZhbHNlLCJ2b3RpbmdMb2NrZWQiOmZhbHNlfV0="/>
+</p:tagLst>
+</file>
+
+<file path=ppt/tags/tag10.xml><?xml version="1.0" encoding="utf-8"?>
+<p:tagLst xmlns:a="http://schemas.openxmlformats.org/drawingml/2006/main" xmlns:r="http://schemas.openxmlformats.org/officeDocument/2006/relationships" xmlns:p="http://schemas.openxmlformats.org/presentationml/2006/main">
+  <p:tag name="SLIDO_ELEMENT" val="interaction_image"/>
+  <p:tag name="INTERACTION_TYPE" val="MultipleChoice"/>
 </p:tagLst>
 </file>
 
 <file path=ppt/tags/tag2.xml><?xml version="1.0" encoding="utf-8"?>
 <p:tagLst xmlns:a="http://schemas.openxmlformats.org/drawingml/2006/main" xmlns:r="http://schemas.openxmlformats.org/officeDocument/2006/relationships" xmlns:p="http://schemas.openxmlformats.org/presentationml/2006/main">
-  <p:tag name="SLIDO_ELEMENT" val="title"/>
+  <p:tag name="SLIDO_ELEMENT" val="logo"/>
 </p:tagLst>
 </file>
 
 <file path=ppt/tags/tag3.xml><?xml version="1.0" encoding="utf-8"?>
 <p:tagLst xmlns:a="http://schemas.openxmlformats.org/drawingml/2006/main" xmlns:r="http://schemas.openxmlformats.org/officeDocument/2006/relationships" xmlns:p="http://schemas.openxmlformats.org/presentationml/2006/main">
-  <p:tag name="SLIDO_ELEMENT" val="footer"/>
+  <p:tag name="SLIDO_ELEMENT" val="title"/>
 </p:tagLst>
 </file>
 
 <file path=ppt/tags/tag4.xml><?xml version="1.0" encoding="utf-8"?>
 <p:tagLst xmlns:a="http://schemas.openxmlformats.org/drawingml/2006/main" xmlns:r="http://schemas.openxmlformats.org/officeDocument/2006/relationships" xmlns:p="http://schemas.openxmlformats.org/presentationml/2006/main">
-  <p:tag name="SLIDO_ELEMENT" val="logo"/>
+  <p:tag name="SLIDO_ELEMENT" val="footer"/>
 </p:tagLst>
 </file>
 
 <file path=ppt/tags/tag5.xml><?xml version="1.0" encoding="utf-8"?>
 <p:tagLst xmlns:a="http://schemas.openxmlformats.org/drawingml/2006/main" xmlns:r="http://schemas.openxmlformats.org/officeDocument/2006/relationships" xmlns:p="http://schemas.openxmlformats.org/presentationml/2006/main">
+  <p:tag name="SLIDO_ELEMENT" val="interaction_image"/>
+  <p:tag name="INTERACTION_TYPE" val="WordCloud"/>
+</p:tagLst>
+</file>
+
+<file path=ppt/tags/tag6.xml><?xml version="1.0" encoding="utf-8"?>
+<p:tagLst xmlns:a="http://schemas.openxmlformats.org/drawingml/2006/main" xmlns:r="http://schemas.openxmlformats.org/officeDocument/2006/relationships" xmlns:p="http://schemas.openxmlformats.org/presentationml/2006/main">
+  <p:tag name="SLIDO_TYPE" val="Standard"/>
+  <p:tag name="SLIDO_TIMELINE" val="W3sicG9sbFF1ZXN0aW9uVXVpZCI6IjI1YzdkMDA3LTRmZWUtNGYwMC1hY2RmLTBkOWNiNzIxMGE3MSIsInNob3dSZXN1bHRzIjpmYWxzZSwic2hvd0NvcnJlY3RBbnN3ZXJzIjpmYWxzZSwidm90aW5nTG9ja2VkIjpmYWxzZX0seyJwb2xsUXVlc3Rpb25VdWlkIjoiMjVjN2QwMDctNGZlZS00ZjAwLWFjZGYtMGQ5Y2I3MjEwYTcxIiwic2hvd1Jlc3VsdHMiOnRydWUsInNob3dDb3JyZWN0QW5zd2VycyI6dHJ1ZSwidm90aW5nTG9ja2VkIjpmYWxzZX1d"/>
+</p:tagLst>
+</file>
+
+<file path=ppt/tags/tag7.xml><?xml version="1.0" encoding="utf-8"?>
+<p:tagLst xmlns:a="http://schemas.openxmlformats.org/drawingml/2006/main" xmlns:r="http://schemas.openxmlformats.org/officeDocument/2006/relationships" xmlns:p="http://schemas.openxmlformats.org/presentationml/2006/main">
+  <p:tag name="SLIDO_ELEMENT" val="logo"/>
+</p:tagLst>
+</file>
+
+<file path=ppt/tags/tag8.xml><?xml version="1.0" encoding="utf-8"?>
+<p:tagLst xmlns:a="http://schemas.openxmlformats.org/drawingml/2006/main" xmlns:r="http://schemas.openxmlformats.org/officeDocument/2006/relationships" xmlns:p="http://schemas.openxmlformats.org/presentationml/2006/main">
   <p:tag name="SLIDO_ELEMENT" val="title"/>
 </p:tagLst>
 </file>
 
-<file path=ppt/tags/tag6.xml><?xml version="1.0" encoding="utf-8"?>
+<file path=ppt/tags/tag9.xml><?xml version="1.0" encoding="utf-8"?>
 <p:tagLst xmlns:a="http://schemas.openxmlformats.org/drawingml/2006/main" xmlns:r="http://schemas.openxmlformats.org/officeDocument/2006/relationships" xmlns:p="http://schemas.openxmlformats.org/presentationml/2006/main">
   <p:tag name="SLIDO_ELEMENT" val="footer"/>
 </p:tagLst>
